--- a/Lecture/Introduction/Intro_Lecture.pptx
+++ b/Lecture/Introduction/Intro_Lecture.pptx
@@ -6,27 +6,26 @@
     <p:sldMasterId id="2147483676" r:id="rId2"/>
   </p:sldMasterIdLst>
   <p:notesMasterIdLst>
-    <p:notesMasterId r:id="rId13"/>
+    <p:notesMasterId r:id="rId12"/>
   </p:notesMasterIdLst>
   <p:handoutMasterIdLst>
-    <p:handoutMasterId r:id="rId14"/>
+    <p:handoutMasterId r:id="rId13"/>
   </p:handoutMasterIdLst>
   <p:sldIdLst>
     <p:sldId id="320" r:id="rId3"/>
     <p:sldId id="323" r:id="rId4"/>
-    <p:sldId id="324" r:id="rId5"/>
-    <p:sldId id="325" r:id="rId6"/>
-    <p:sldId id="326" r:id="rId7"/>
-    <p:sldId id="327" r:id="rId8"/>
-    <p:sldId id="330" r:id="rId9"/>
-    <p:sldId id="328" r:id="rId10"/>
-    <p:sldId id="331" r:id="rId11"/>
-    <p:sldId id="329" r:id="rId12"/>
+    <p:sldId id="325" r:id="rId5"/>
+    <p:sldId id="326" r:id="rId6"/>
+    <p:sldId id="327" r:id="rId7"/>
+    <p:sldId id="330" r:id="rId8"/>
+    <p:sldId id="328" r:id="rId9"/>
+    <p:sldId id="331" r:id="rId10"/>
+    <p:sldId id="329" r:id="rId11"/>
   </p:sldIdLst>
   <p:sldSz cx="9144000" cy="6858000" type="screen4x3"/>
   <p:notesSz cx="6858000" cy="9144000"/>
   <p:custDataLst>
-    <p:tags r:id="rId15"/>
+    <p:tags r:id="rId14"/>
   </p:custDataLst>
   <p:defaultTextStyle>
     <a:defPPr>
@@ -285,7 +284,7 @@
               <a:pPr>
                 <a:defRPr/>
               </a:pPr>
-              <a:t>1/10/2019</a:t>
+              <a:t>1/7/2020</a:t>
             </a:fld>
             <a:endParaRPr lang="en-US" dirty="0"/>
           </a:p>
@@ -497,7 +496,7 @@
               <a:pPr>
                 <a:defRPr/>
               </a:pPr>
-              <a:t>1/10/2019</a:t>
+              <a:t>1/7/2020</a:t>
             </a:fld>
             <a:endParaRPr lang="en-US" dirty="0"/>
           </a:p>
@@ -1016,7 +1015,7 @@
               <a:pPr>
                 <a:defRPr/>
               </a:pPr>
-              <a:t>1/10/2019</a:t>
+              <a:t>1/7/2020</a:t>
             </a:fld>
             <a:endParaRPr lang="en-US" dirty="0"/>
           </a:p>
@@ -1206,7 +1205,7 @@
               <a:pPr>
                 <a:defRPr/>
               </a:pPr>
-              <a:t>1/10/2019</a:t>
+              <a:t>1/7/2020</a:t>
             </a:fld>
             <a:endParaRPr lang="en-US" dirty="0"/>
           </a:p>
@@ -1406,7 +1405,7 @@
               <a:pPr>
                 <a:defRPr/>
               </a:pPr>
-              <a:t>1/10/2019</a:t>
+              <a:t>1/7/2020</a:t>
             </a:fld>
             <a:endParaRPr lang="en-US" dirty="0"/>
           </a:p>
@@ -1674,7 +1673,7 @@
               <a:pPr>
                 <a:defRPr/>
               </a:pPr>
-              <a:t>1/10/2019</a:t>
+              <a:t>1/7/2020</a:t>
             </a:fld>
             <a:endParaRPr lang="en-US" dirty="0">
               <a:solidFill>
@@ -1888,7 +1887,7 @@
               <a:pPr>
                 <a:defRPr/>
               </a:pPr>
-              <a:t>1/10/2019</a:t>
+              <a:t>1/7/2020</a:t>
             </a:fld>
             <a:endParaRPr lang="en-US" dirty="0">
               <a:solidFill>
@@ -2179,7 +2178,7 @@
               <a:pPr>
                 <a:defRPr/>
               </a:pPr>
-              <a:t>1/10/2019</a:t>
+              <a:t>1/7/2020</a:t>
             </a:fld>
             <a:endParaRPr lang="en-US" dirty="0">
               <a:solidFill>
@@ -2510,7 +2509,7 @@
               <a:pPr>
                 <a:defRPr/>
               </a:pPr>
-              <a:t>1/10/2019</a:t>
+              <a:t>1/7/2020</a:t>
             </a:fld>
             <a:endParaRPr lang="en-US" dirty="0">
               <a:solidFill>
@@ -2975,7 +2974,7 @@
               <a:pPr>
                 <a:defRPr/>
               </a:pPr>
-              <a:t>1/10/2019</a:t>
+              <a:t>1/7/2020</a:t>
             </a:fld>
             <a:endParaRPr lang="en-US" dirty="0">
               <a:solidFill>
@@ -3138,7 +3137,7 @@
               <a:pPr>
                 <a:defRPr/>
               </a:pPr>
-              <a:t>1/10/2019</a:t>
+              <a:t>1/7/2020</a:t>
             </a:fld>
             <a:endParaRPr lang="en-US" dirty="0">
               <a:solidFill>
@@ -3279,7 +3278,7 @@
               <a:pPr>
                 <a:defRPr/>
               </a:pPr>
-              <a:t>1/10/2019</a:t>
+              <a:t>1/7/2020</a:t>
             </a:fld>
             <a:endParaRPr lang="en-US" dirty="0">
               <a:solidFill>
@@ -3600,7 +3599,7 @@
               <a:pPr>
                 <a:defRPr/>
               </a:pPr>
-              <a:t>1/10/2019</a:t>
+              <a:t>1/7/2020</a:t>
             </a:fld>
             <a:endParaRPr lang="en-US" dirty="0">
               <a:solidFill>
@@ -3808,7 +3807,7 @@
               <a:pPr>
                 <a:defRPr/>
               </a:pPr>
-              <a:t>1/10/2019</a:t>
+              <a:t>1/7/2020</a:t>
             </a:fld>
             <a:endParaRPr lang="en-US" dirty="0"/>
           </a:p>
@@ -4091,7 +4090,7 @@
               <a:pPr>
                 <a:defRPr/>
               </a:pPr>
-              <a:t>1/10/2019</a:t>
+              <a:t>1/7/2020</a:t>
             </a:fld>
             <a:endParaRPr lang="en-US" dirty="0">
               <a:solidFill>
@@ -4305,7 +4304,7 @@
               <a:pPr>
                 <a:defRPr/>
               </a:pPr>
-              <a:t>1/10/2019</a:t>
+              <a:t>1/7/2020</a:t>
             </a:fld>
             <a:endParaRPr lang="en-US" dirty="0">
               <a:solidFill>
@@ -4529,7 +4528,7 @@
               <a:pPr>
                 <a:defRPr/>
               </a:pPr>
-              <a:t>1/10/2019</a:t>
+              <a:t>1/7/2020</a:t>
             </a:fld>
             <a:endParaRPr lang="en-US" dirty="0">
               <a:solidFill>
@@ -4739,7 +4738,7 @@
               <a:pPr>
                 <a:defRPr/>
               </a:pPr>
-              <a:t>1/10/2019</a:t>
+              <a:t>1/7/2020</a:t>
             </a:fld>
             <a:endParaRPr lang="en-US" dirty="0">
               <a:solidFill>
@@ -5016,7 +5015,7 @@
               <a:pPr>
                 <a:defRPr/>
               </a:pPr>
-              <a:t>1/10/2019</a:t>
+              <a:t>1/7/2020</a:t>
             </a:fld>
             <a:endParaRPr lang="en-US" dirty="0"/>
           </a:p>
@@ -5323,7 +5322,7 @@
               <a:pPr>
                 <a:defRPr/>
               </a:pPr>
-              <a:t>1/10/2019</a:t>
+              <a:t>1/7/2020</a:t>
             </a:fld>
             <a:endParaRPr lang="en-US" dirty="0"/>
           </a:p>
@@ -5764,7 +5763,7 @@
               <a:pPr>
                 <a:defRPr/>
               </a:pPr>
-              <a:t>1/10/2019</a:t>
+              <a:t>1/7/2020</a:t>
             </a:fld>
             <a:endParaRPr lang="en-US" dirty="0"/>
           </a:p>
@@ -5903,7 +5902,7 @@
               <a:pPr>
                 <a:defRPr/>
               </a:pPr>
-              <a:t>1/10/2019</a:t>
+              <a:t>1/7/2020</a:t>
             </a:fld>
             <a:endParaRPr lang="en-US" dirty="0"/>
           </a:p>
@@ -6020,7 +6019,7 @@
               <a:pPr>
                 <a:defRPr/>
               </a:pPr>
-              <a:t>1/10/2019</a:t>
+              <a:t>1/7/2020</a:t>
             </a:fld>
             <a:endParaRPr lang="en-US" dirty="0"/>
           </a:p>
@@ -6317,7 +6316,7 @@
               <a:pPr>
                 <a:defRPr/>
               </a:pPr>
-              <a:t>1/10/2019</a:t>
+              <a:t>1/7/2020</a:t>
             </a:fld>
             <a:endParaRPr lang="en-US" dirty="0"/>
           </a:p>
@@ -6594,7 +6593,7 @@
               <a:pPr>
                 <a:defRPr/>
               </a:pPr>
-              <a:t>1/10/2019</a:t>
+              <a:t>1/7/2020</a:t>
             </a:fld>
             <a:endParaRPr lang="en-US" dirty="0"/>
           </a:p>
@@ -6851,7 +6850,7 @@
               <a:pPr>
                 <a:defRPr/>
               </a:pPr>
-              <a:t>1/10/2019</a:t>
+              <a:t>1/7/2020</a:t>
             </a:fld>
             <a:endParaRPr lang="en-US" dirty="0"/>
           </a:p>
@@ -7561,7 +7560,7 @@
               <a:pPr>
                 <a:defRPr/>
               </a:pPr>
-              <a:t>1/10/2019</a:t>
+              <a:t>1/7/2020</a:t>
             </a:fld>
             <a:endParaRPr lang="en-US" dirty="0">
               <a:solidFill>
@@ -8445,690 +8444,6 @@
 </p:sld>
 </file>
 
-<file path=ppt/slides/slide10.xml><?xml version="1.0" encoding="utf-8"?>
-<p:sld xmlns:a="http://schemas.openxmlformats.org/drawingml/2006/main" xmlns:r="http://schemas.openxmlformats.org/officeDocument/2006/relationships" xmlns:p="http://schemas.openxmlformats.org/presentationml/2006/main">
-  <p:cSld>
-    <p:bg>
-      <p:bgPr>
-        <a:solidFill>
-          <a:schemeClr val="bg1">
-            <a:lumMod val="85000"/>
-          </a:schemeClr>
-        </a:solidFill>
-        <a:effectLst/>
-      </p:bgPr>
-    </p:bg>
-    <p:spTree>
-      <p:nvGrpSpPr>
-        <p:cNvPr id="1" name=""/>
-        <p:cNvGrpSpPr/>
-        <p:nvPr/>
-      </p:nvGrpSpPr>
-      <p:grpSpPr>
-        <a:xfrm>
-          <a:off x="0" y="0"/>
-          <a:ext cx="0" cy="0"/>
-          <a:chOff x="0" y="0"/>
-          <a:chExt cx="0" cy="0"/>
-        </a:xfrm>
-      </p:grpSpPr>
-      <p:sp>
-        <p:nvSpPr>
-          <p:cNvPr id="15" name="Rectangle 12">
-            <a:extLst>
-              <a:ext uri="{FF2B5EF4-FFF2-40B4-BE49-F238E27FC236}">
-                <a16:creationId xmlns:a16="http://schemas.microsoft.com/office/drawing/2014/main" id="{867D4867-5BA7-4462-B2F6-A23F4A622AA7}"/>
-              </a:ext>
-              <a:ext uri="{C183D7F6-B498-43B3-948B-1728B52AA6E4}">
-                <adec:decorative xmlns:adec="http://schemas.microsoft.com/office/drawing/2017/decorative" val="1"/>
-              </a:ext>
-            </a:extLst>
-          </p:cNvPr>
-          <p:cNvSpPr>
-            <a:spLocks noGrp="1" noRot="1" noChangeAspect="1" noMove="1" noResize="1" noEditPoints="1" noAdjustHandles="1" noChangeArrowheads="1" noChangeShapeType="1" noTextEdit="1"/>
-          </p:cNvSpPr>
-          <p:nvPr>
-            <p:extLst>
-              <p:ext uri="{386F3935-93C4-4BCD-93E2-E3B085C9AB24}">
-                <p16:designElem xmlns:p16="http://schemas.microsoft.com/office/powerpoint/2015/main" val="1"/>
-              </p:ext>
-            </p:extLst>
-          </p:nvPr>
-        </p:nvSpPr>
-        <p:spPr>
-          <a:xfrm>
-            <a:off x="0" y="0"/>
-            <a:ext cx="3490722" cy="6858000"/>
-          </a:xfrm>
-          <a:prstGeom prst="rect">
-            <a:avLst/>
-          </a:prstGeom>
-          <a:solidFill>
-            <a:schemeClr val="tx1">
-              <a:lumMod val="75000"/>
-              <a:lumOff val="25000"/>
-            </a:schemeClr>
-          </a:solidFill>
-          <a:ln>
-            <a:noFill/>
-          </a:ln>
-        </p:spPr>
-        <p:style>
-          <a:lnRef idx="0">
-            <a:scrgbClr r="0" g="0" b="0"/>
-          </a:lnRef>
-          <a:fillRef idx="0">
-            <a:scrgbClr r="0" g="0" b="0"/>
-          </a:fillRef>
-          <a:effectRef idx="0">
-            <a:scrgbClr r="0" g="0" b="0"/>
-          </a:effectRef>
-          <a:fontRef idx="minor">
-            <a:schemeClr val="lt1"/>
-          </a:fontRef>
-        </p:style>
-        <p:txBody>
-          <a:bodyPr rtlCol="0" anchor="ctr"/>
-          <a:lstStyle/>
-          <a:p>
-            <a:pPr algn="ctr"/>
-            <a:endParaRPr lang="en-US"/>
-          </a:p>
-        </p:txBody>
-      </p:sp>
-      <p:sp>
-        <p:nvSpPr>
-          <p:cNvPr id="2" name="Title 1"/>
-          <p:cNvSpPr>
-            <a:spLocks noGrp="1"/>
-          </p:cNvSpPr>
-          <p:nvPr>
-            <p:ph type="title"/>
-          </p:nvPr>
-        </p:nvSpPr>
-        <p:spPr>
-          <a:xfrm>
-            <a:off x="482600" y="643467"/>
-            <a:ext cx="2522980" cy="1597315"/>
-          </a:xfrm>
-          <a:noFill/>
-          <a:ln w="19050">
-            <a:solidFill>
-              <a:schemeClr val="bg1"/>
-            </a:solidFill>
-          </a:ln>
-        </p:spPr>
-        <p:txBody>
-          <a:bodyPr vert="horz" wrap="square" lIns="91440" tIns="45720" rIns="91440" bIns="45720" rtlCol="0" anchor="ctr">
-            <a:normAutofit/>
-          </a:bodyPr>
-          <a:lstStyle/>
-          <a:p>
-            <a:pPr defTabSz="914400" eaLnBrk="1" hangingPunct="1">
-              <a:lnSpc>
-                <a:spcPct val="90000"/>
-              </a:lnSpc>
-            </a:pPr>
-            <a:r>
-              <a:rPr lang="en-US" sz="2400" kern="1200" dirty="0">
-                <a:solidFill>
-                  <a:schemeClr val="bg1"/>
-                </a:solidFill>
-                <a:latin typeface="+mj-lt"/>
-                <a:ea typeface="+mj-ea"/>
-                <a:cs typeface="+mj-cs"/>
-              </a:rPr>
-              <a:t>Closing</a:t>
-            </a:r>
-            <a:r>
-              <a:rPr lang="en-US" sz="2400" dirty="0">
-                <a:solidFill>
-                  <a:schemeClr val="bg1"/>
-                </a:solidFill>
-                <a:ea typeface="+mj-ea"/>
-                <a:cs typeface="+mj-cs"/>
-              </a:rPr>
-              <a:t>?</a:t>
-            </a:r>
-            <a:endParaRPr lang="en-US" sz="2400" kern="1200" dirty="0">
-              <a:solidFill>
-                <a:schemeClr val="bg1"/>
-              </a:solidFill>
-              <a:latin typeface="+mj-lt"/>
-              <a:ea typeface="+mj-ea"/>
-              <a:cs typeface="+mj-cs"/>
-            </a:endParaRPr>
-          </a:p>
-        </p:txBody>
-      </p:sp>
-      <p:pic>
-        <p:nvPicPr>
-          <p:cNvPr id="8" name="Picture 7">
-            <a:extLst>
-              <a:ext uri="{FF2B5EF4-FFF2-40B4-BE49-F238E27FC236}">
-                <a16:creationId xmlns:a16="http://schemas.microsoft.com/office/drawing/2014/main" id="{521D4292-9ECC-4DA5-8CC0-C561A0DA118E}"/>
-              </a:ext>
-            </a:extLst>
-          </p:cNvPr>
-          <p:cNvPicPr>
-            <a:picLocks noChangeAspect="1"/>
-          </p:cNvPicPr>
-          <p:nvPr/>
-        </p:nvPicPr>
-        <p:blipFill rotWithShape="1">
-          <a:blip r:embed="rId3"/>
-          <a:srcRect l="8000" r="9400"/>
-          <a:stretch/>
-        </p:blipFill>
-        <p:spPr>
-          <a:xfrm>
-            <a:off x="660103" y="3048000"/>
-            <a:ext cx="2167974" cy="2624666"/>
-          </a:xfrm>
-          <a:prstGeom prst="rect">
-            <a:avLst/>
-          </a:prstGeom>
-          <a:noFill/>
-        </p:spPr>
-      </p:pic>
-      <p:sp>
-        <p:nvSpPr>
-          <p:cNvPr id="7" name="Content Placeholder 2">
-            <a:extLst>
-              <a:ext uri="{FF2B5EF4-FFF2-40B4-BE49-F238E27FC236}">
-                <a16:creationId xmlns:a16="http://schemas.microsoft.com/office/drawing/2014/main" id="{8FE51533-15BE-453E-90FE-08298901BC34}"/>
-              </a:ext>
-            </a:extLst>
-          </p:cNvPr>
-          <p:cNvSpPr txBox="1">
-            <a:spLocks/>
-          </p:cNvSpPr>
-          <p:nvPr/>
-        </p:nvSpPr>
-        <p:spPr bwMode="auto">
-          <a:xfrm>
-            <a:off x="3810000" y="643466"/>
-            <a:ext cx="4851400" cy="5833533"/>
-          </a:xfrm>
-          <a:prstGeom prst="rect">
-            <a:avLst/>
-          </a:prstGeom>
-        </p:spPr>
-        <p:txBody>
-          <a:bodyPr vert="horz" lIns="91440" tIns="45720" rIns="91440" bIns="45720" numCol="1" rtlCol="0" anchorCtr="0" compatLnSpc="1">
-            <a:prstTxWarp prst="textNoShape">
-              <a:avLst/>
-            </a:prstTxWarp>
-            <a:noAutofit/>
-          </a:bodyPr>
-          <a:lstStyle>
-            <a:lvl1pPr marL="342900" indent="-342900" algn="l" defTabSz="457200" rtl="0" eaLnBrk="0" fontAlgn="base" hangingPunct="0">
-              <a:spcBef>
-                <a:spcPct val="20000"/>
-              </a:spcBef>
-              <a:spcAft>
-                <a:spcPct val="0"/>
-              </a:spcAft>
-              <a:buFont typeface="Arial" charset="0"/>
-              <a:buChar char="•"/>
-              <a:defRPr sz="3200" kern="1200">
-                <a:solidFill>
-                  <a:schemeClr val="tx1"/>
-                </a:solidFill>
-                <a:latin typeface="+mn-lt"/>
-                <a:ea typeface="ＭＳ Ｐゴシック" pitchFamily="-109" charset="-128"/>
-                <a:cs typeface="ＭＳ Ｐゴシック" pitchFamily="-109" charset="-128"/>
-              </a:defRPr>
-            </a:lvl1pPr>
-            <a:lvl2pPr marL="742950" indent="-285750" algn="l" defTabSz="457200" rtl="0" eaLnBrk="0" fontAlgn="base" hangingPunct="0">
-              <a:spcBef>
-                <a:spcPct val="20000"/>
-              </a:spcBef>
-              <a:spcAft>
-                <a:spcPct val="0"/>
-              </a:spcAft>
-              <a:buFont typeface="Arial" charset="0"/>
-              <a:buChar char="–"/>
-              <a:defRPr sz="2800" kern="1200">
-                <a:solidFill>
-                  <a:schemeClr val="tx1"/>
-                </a:solidFill>
-                <a:latin typeface="+mn-lt"/>
-                <a:ea typeface="ＭＳ Ｐゴシック" pitchFamily="-109" charset="-128"/>
-                <a:cs typeface="+mn-cs"/>
-              </a:defRPr>
-            </a:lvl2pPr>
-            <a:lvl3pPr marL="1143000" indent="-228600" algn="l" defTabSz="457200" rtl="0" eaLnBrk="0" fontAlgn="base" hangingPunct="0">
-              <a:spcBef>
-                <a:spcPct val="20000"/>
-              </a:spcBef>
-              <a:spcAft>
-                <a:spcPct val="0"/>
-              </a:spcAft>
-              <a:buFont typeface="Arial" charset="0"/>
-              <a:buChar char="•"/>
-              <a:defRPr sz="2400" kern="1200">
-                <a:solidFill>
-                  <a:schemeClr val="tx1"/>
-                </a:solidFill>
-                <a:latin typeface="+mn-lt"/>
-                <a:ea typeface="ＭＳ Ｐゴシック" pitchFamily="-109" charset="-128"/>
-                <a:cs typeface="+mn-cs"/>
-              </a:defRPr>
-            </a:lvl3pPr>
-            <a:lvl4pPr marL="1600200" indent="-228600" algn="l" defTabSz="457200" rtl="0" eaLnBrk="0" fontAlgn="base" hangingPunct="0">
-              <a:spcBef>
-                <a:spcPct val="20000"/>
-              </a:spcBef>
-              <a:spcAft>
-                <a:spcPct val="0"/>
-              </a:spcAft>
-              <a:buFont typeface="Arial" charset="0"/>
-              <a:buChar char="–"/>
-              <a:defRPr sz="2000" kern="1200">
-                <a:solidFill>
-                  <a:schemeClr val="tx1"/>
-                </a:solidFill>
-                <a:latin typeface="+mn-lt"/>
-                <a:ea typeface="ＭＳ Ｐゴシック" pitchFamily="-109" charset="-128"/>
-                <a:cs typeface="+mn-cs"/>
-              </a:defRPr>
-            </a:lvl4pPr>
-            <a:lvl5pPr marL="2057400" indent="-228600" algn="l" defTabSz="457200" rtl="0" eaLnBrk="0" fontAlgn="base" hangingPunct="0">
-              <a:spcBef>
-                <a:spcPct val="20000"/>
-              </a:spcBef>
-              <a:spcAft>
-                <a:spcPct val="0"/>
-              </a:spcAft>
-              <a:buFont typeface="Arial" charset="0"/>
-              <a:buChar char="»"/>
-              <a:defRPr sz="2000" kern="1200">
-                <a:solidFill>
-                  <a:schemeClr val="tx1"/>
-                </a:solidFill>
-                <a:latin typeface="+mn-lt"/>
-                <a:ea typeface="ＭＳ Ｐゴシック" pitchFamily="-109" charset="-128"/>
-                <a:cs typeface="+mn-cs"/>
-              </a:defRPr>
-            </a:lvl5pPr>
-            <a:lvl6pPr marL="2514600" indent="-228600" algn="l" defTabSz="457200" rtl="0" eaLnBrk="1" latinLnBrk="0" hangingPunct="1">
-              <a:spcBef>
-                <a:spcPct val="20000"/>
-              </a:spcBef>
-              <a:buFont typeface="Arial"/>
-              <a:buChar char="•"/>
-              <a:defRPr sz="2000" kern="1200">
-                <a:solidFill>
-                  <a:schemeClr val="tx1"/>
-                </a:solidFill>
-                <a:latin typeface="+mn-lt"/>
-                <a:ea typeface="+mn-ea"/>
-                <a:cs typeface="+mn-cs"/>
-              </a:defRPr>
-            </a:lvl6pPr>
-            <a:lvl7pPr marL="2971800" indent="-228600" algn="l" defTabSz="457200" rtl="0" eaLnBrk="1" latinLnBrk="0" hangingPunct="1">
-              <a:spcBef>
-                <a:spcPct val="20000"/>
-              </a:spcBef>
-              <a:buFont typeface="Arial"/>
-              <a:buChar char="•"/>
-              <a:defRPr sz="2000" kern="1200">
-                <a:solidFill>
-                  <a:schemeClr val="tx1"/>
-                </a:solidFill>
-                <a:latin typeface="+mn-lt"/>
-                <a:ea typeface="+mn-ea"/>
-                <a:cs typeface="+mn-cs"/>
-              </a:defRPr>
-            </a:lvl7pPr>
-            <a:lvl8pPr marL="3429000" indent="-228600" algn="l" defTabSz="457200" rtl="0" eaLnBrk="1" latinLnBrk="0" hangingPunct="1">
-              <a:spcBef>
-                <a:spcPct val="20000"/>
-              </a:spcBef>
-              <a:buFont typeface="Arial"/>
-              <a:buChar char="•"/>
-              <a:defRPr sz="2000" kern="1200">
-                <a:solidFill>
-                  <a:schemeClr val="tx1"/>
-                </a:solidFill>
-                <a:latin typeface="+mn-lt"/>
-                <a:ea typeface="+mn-ea"/>
-                <a:cs typeface="+mn-cs"/>
-              </a:defRPr>
-            </a:lvl8pPr>
-            <a:lvl9pPr marL="3886200" indent="-228600" algn="l" defTabSz="457200" rtl="0" eaLnBrk="1" latinLnBrk="0" hangingPunct="1">
-              <a:spcBef>
-                <a:spcPct val="20000"/>
-              </a:spcBef>
-              <a:buFont typeface="Arial"/>
-              <a:buChar char="•"/>
-              <a:defRPr sz="2000" kern="1200">
-                <a:solidFill>
-                  <a:schemeClr val="tx1"/>
-                </a:solidFill>
-                <a:latin typeface="+mn-lt"/>
-                <a:ea typeface="+mn-ea"/>
-                <a:cs typeface="+mn-cs"/>
-              </a:defRPr>
-            </a:lvl9pPr>
-          </a:lstStyle>
-          <a:p>
-            <a:pPr indent="-228600" defTabSz="914400" eaLnBrk="1" hangingPunct="1">
-              <a:lnSpc>
-                <a:spcPct val="90000"/>
-              </a:lnSpc>
-              <a:buFont typeface="Arial" panose="020B0604020202020204" pitchFamily="34" charset="0"/>
-              <a:buChar char="•"/>
-            </a:pPr>
-            <a:endParaRPr lang="en-US" sz="2000" dirty="0">
-              <a:solidFill>
-                <a:srgbClr val="404040"/>
-              </a:solidFill>
-              <a:ea typeface="+mn-ea"/>
-              <a:cs typeface="+mn-cs"/>
-            </a:endParaRPr>
-          </a:p>
-          <a:p>
-            <a:pPr indent="-228600" defTabSz="914400" eaLnBrk="1" hangingPunct="1">
-              <a:lnSpc>
-                <a:spcPct val="90000"/>
-              </a:lnSpc>
-              <a:buFont typeface="Arial" panose="020B0604020202020204" pitchFamily="34" charset="0"/>
-              <a:buChar char="•"/>
-            </a:pPr>
-            <a:endParaRPr lang="en-US" sz="2000" dirty="0">
-              <a:solidFill>
-                <a:srgbClr val="404040"/>
-              </a:solidFill>
-              <a:ea typeface="+mn-ea"/>
-              <a:cs typeface="+mn-cs"/>
-            </a:endParaRPr>
-          </a:p>
-        </p:txBody>
-      </p:sp>
-      <p:sp>
-        <p:nvSpPr>
-          <p:cNvPr id="10" name="Content Placeholder 2">
-            <a:extLst>
-              <a:ext uri="{FF2B5EF4-FFF2-40B4-BE49-F238E27FC236}">
-                <a16:creationId xmlns:a16="http://schemas.microsoft.com/office/drawing/2014/main" id="{10754C74-871F-42E2-A79F-10B9CCA16CD5}"/>
-              </a:ext>
-            </a:extLst>
-          </p:cNvPr>
-          <p:cNvSpPr txBox="1">
-            <a:spLocks/>
-          </p:cNvSpPr>
-          <p:nvPr/>
-        </p:nvSpPr>
-        <p:spPr bwMode="auto">
-          <a:xfrm>
-            <a:off x="3973322" y="643466"/>
-            <a:ext cx="4851400" cy="5953916"/>
-          </a:xfrm>
-          <a:prstGeom prst="rect">
-            <a:avLst/>
-          </a:prstGeom>
-        </p:spPr>
-        <p:txBody>
-          <a:bodyPr vert="horz" lIns="91440" tIns="45720" rIns="91440" bIns="45720" numCol="1" rtlCol="0" anchorCtr="0" compatLnSpc="1">
-            <a:prstTxWarp prst="textNoShape">
-              <a:avLst/>
-            </a:prstTxWarp>
-            <a:noAutofit/>
-          </a:bodyPr>
-          <a:lstStyle>
-            <a:lvl1pPr marL="342900" indent="-342900" algn="l" defTabSz="457200" rtl="0" eaLnBrk="0" fontAlgn="base" hangingPunct="0">
-              <a:spcBef>
-                <a:spcPct val="20000"/>
-              </a:spcBef>
-              <a:spcAft>
-                <a:spcPct val="0"/>
-              </a:spcAft>
-              <a:buFont typeface="Arial" charset="0"/>
-              <a:buChar char="•"/>
-              <a:defRPr sz="3200" kern="1200">
-                <a:solidFill>
-                  <a:schemeClr val="tx1"/>
-                </a:solidFill>
-                <a:latin typeface="+mn-lt"/>
-                <a:ea typeface="ＭＳ Ｐゴシック" pitchFamily="-109" charset="-128"/>
-                <a:cs typeface="ＭＳ Ｐゴシック" pitchFamily="-109" charset="-128"/>
-              </a:defRPr>
-            </a:lvl1pPr>
-            <a:lvl2pPr marL="742950" indent="-285750" algn="l" defTabSz="457200" rtl="0" eaLnBrk="0" fontAlgn="base" hangingPunct="0">
-              <a:spcBef>
-                <a:spcPct val="20000"/>
-              </a:spcBef>
-              <a:spcAft>
-                <a:spcPct val="0"/>
-              </a:spcAft>
-              <a:buFont typeface="Arial" charset="0"/>
-              <a:buChar char="–"/>
-              <a:defRPr sz="2800" kern="1200">
-                <a:solidFill>
-                  <a:schemeClr val="tx1"/>
-                </a:solidFill>
-                <a:latin typeface="+mn-lt"/>
-                <a:ea typeface="ＭＳ Ｐゴシック" pitchFamily="-109" charset="-128"/>
-                <a:cs typeface="+mn-cs"/>
-              </a:defRPr>
-            </a:lvl2pPr>
-            <a:lvl3pPr marL="1143000" indent="-228600" algn="l" defTabSz="457200" rtl="0" eaLnBrk="0" fontAlgn="base" hangingPunct="0">
-              <a:spcBef>
-                <a:spcPct val="20000"/>
-              </a:spcBef>
-              <a:spcAft>
-                <a:spcPct val="0"/>
-              </a:spcAft>
-              <a:buFont typeface="Arial" charset="0"/>
-              <a:buChar char="•"/>
-              <a:defRPr sz="2400" kern="1200">
-                <a:solidFill>
-                  <a:schemeClr val="tx1"/>
-                </a:solidFill>
-                <a:latin typeface="+mn-lt"/>
-                <a:ea typeface="ＭＳ Ｐゴシック" pitchFamily="-109" charset="-128"/>
-                <a:cs typeface="+mn-cs"/>
-              </a:defRPr>
-            </a:lvl3pPr>
-            <a:lvl4pPr marL="1600200" indent="-228600" algn="l" defTabSz="457200" rtl="0" eaLnBrk="0" fontAlgn="base" hangingPunct="0">
-              <a:spcBef>
-                <a:spcPct val="20000"/>
-              </a:spcBef>
-              <a:spcAft>
-                <a:spcPct val="0"/>
-              </a:spcAft>
-              <a:buFont typeface="Arial" charset="0"/>
-              <a:buChar char="–"/>
-              <a:defRPr sz="2000" kern="1200">
-                <a:solidFill>
-                  <a:schemeClr val="tx1"/>
-                </a:solidFill>
-                <a:latin typeface="+mn-lt"/>
-                <a:ea typeface="ＭＳ Ｐゴシック" pitchFamily="-109" charset="-128"/>
-                <a:cs typeface="+mn-cs"/>
-              </a:defRPr>
-            </a:lvl4pPr>
-            <a:lvl5pPr marL="2057400" indent="-228600" algn="l" defTabSz="457200" rtl="0" eaLnBrk="0" fontAlgn="base" hangingPunct="0">
-              <a:spcBef>
-                <a:spcPct val="20000"/>
-              </a:spcBef>
-              <a:spcAft>
-                <a:spcPct val="0"/>
-              </a:spcAft>
-              <a:buFont typeface="Arial" charset="0"/>
-              <a:buChar char="»"/>
-              <a:defRPr sz="2000" kern="1200">
-                <a:solidFill>
-                  <a:schemeClr val="tx1"/>
-                </a:solidFill>
-                <a:latin typeface="+mn-lt"/>
-                <a:ea typeface="ＭＳ Ｐゴシック" pitchFamily="-109" charset="-128"/>
-                <a:cs typeface="+mn-cs"/>
-              </a:defRPr>
-            </a:lvl5pPr>
-            <a:lvl6pPr marL="2514600" indent="-228600" algn="l" defTabSz="457200" rtl="0" eaLnBrk="1" latinLnBrk="0" hangingPunct="1">
-              <a:spcBef>
-                <a:spcPct val="20000"/>
-              </a:spcBef>
-              <a:buFont typeface="Arial"/>
-              <a:buChar char="•"/>
-              <a:defRPr sz="2000" kern="1200">
-                <a:solidFill>
-                  <a:schemeClr val="tx1"/>
-                </a:solidFill>
-                <a:latin typeface="+mn-lt"/>
-                <a:ea typeface="+mn-ea"/>
-                <a:cs typeface="+mn-cs"/>
-              </a:defRPr>
-            </a:lvl6pPr>
-            <a:lvl7pPr marL="2971800" indent="-228600" algn="l" defTabSz="457200" rtl="0" eaLnBrk="1" latinLnBrk="0" hangingPunct="1">
-              <a:spcBef>
-                <a:spcPct val="20000"/>
-              </a:spcBef>
-              <a:buFont typeface="Arial"/>
-              <a:buChar char="•"/>
-              <a:defRPr sz="2000" kern="1200">
-                <a:solidFill>
-                  <a:schemeClr val="tx1"/>
-                </a:solidFill>
-                <a:latin typeface="+mn-lt"/>
-                <a:ea typeface="+mn-ea"/>
-                <a:cs typeface="+mn-cs"/>
-              </a:defRPr>
-            </a:lvl7pPr>
-            <a:lvl8pPr marL="3429000" indent="-228600" algn="l" defTabSz="457200" rtl="0" eaLnBrk="1" latinLnBrk="0" hangingPunct="1">
-              <a:spcBef>
-                <a:spcPct val="20000"/>
-              </a:spcBef>
-              <a:buFont typeface="Arial"/>
-              <a:buChar char="•"/>
-              <a:defRPr sz="2000" kern="1200">
-                <a:solidFill>
-                  <a:schemeClr val="tx1"/>
-                </a:solidFill>
-                <a:latin typeface="+mn-lt"/>
-                <a:ea typeface="+mn-ea"/>
-                <a:cs typeface="+mn-cs"/>
-              </a:defRPr>
-            </a:lvl8pPr>
-            <a:lvl9pPr marL="3886200" indent="-228600" algn="l" defTabSz="457200" rtl="0" eaLnBrk="1" latinLnBrk="0" hangingPunct="1">
-              <a:spcBef>
-                <a:spcPct val="20000"/>
-              </a:spcBef>
-              <a:buFont typeface="Arial"/>
-              <a:buChar char="•"/>
-              <a:defRPr sz="2000" kern="1200">
-                <a:solidFill>
-                  <a:schemeClr val="tx1"/>
-                </a:solidFill>
-                <a:latin typeface="+mn-lt"/>
-                <a:ea typeface="+mn-ea"/>
-                <a:cs typeface="+mn-cs"/>
-              </a:defRPr>
-            </a:lvl9pPr>
-          </a:lstStyle>
-          <a:p>
-            <a:pPr marL="114300" indent="0" defTabSz="914400" eaLnBrk="1" hangingPunct="1">
-              <a:lnSpc>
-                <a:spcPct val="90000"/>
-              </a:lnSpc>
-              <a:buNone/>
-            </a:pPr>
-            <a:r>
-              <a:rPr lang="en-US" sz="7200" dirty="0">
-                <a:solidFill>
-                  <a:srgbClr val="404040"/>
-                </a:solidFill>
-                <a:ea typeface="+mn-ea"/>
-                <a:cs typeface="+mn-cs"/>
-              </a:rPr>
-              <a:t>Disperse and Make Reasonable Decisions</a:t>
-            </a:r>
-          </a:p>
-          <a:p>
-            <a:pPr indent="-228600" defTabSz="914400" eaLnBrk="1" hangingPunct="1">
-              <a:lnSpc>
-                <a:spcPct val="90000"/>
-              </a:lnSpc>
-              <a:buFont typeface="Arial" panose="020B0604020202020204" pitchFamily="34" charset="0"/>
-              <a:buChar char="•"/>
-            </a:pPr>
-            <a:endParaRPr lang="en-US" sz="7200" dirty="0">
-              <a:solidFill>
-                <a:srgbClr val="404040"/>
-              </a:solidFill>
-              <a:ea typeface="+mn-ea"/>
-              <a:cs typeface="+mn-cs"/>
-            </a:endParaRPr>
-          </a:p>
-          <a:p>
-            <a:pPr indent="-228600" defTabSz="914400" eaLnBrk="1" hangingPunct="1">
-              <a:lnSpc>
-                <a:spcPct val="90000"/>
-              </a:lnSpc>
-              <a:buFont typeface="Arial" panose="020B0604020202020204" pitchFamily="34" charset="0"/>
-              <a:buChar char="•"/>
-            </a:pPr>
-            <a:endParaRPr lang="en-US" sz="7200" dirty="0">
-              <a:solidFill>
-                <a:srgbClr val="404040"/>
-              </a:solidFill>
-              <a:ea typeface="+mn-ea"/>
-              <a:cs typeface="+mn-cs"/>
-            </a:endParaRPr>
-          </a:p>
-          <a:p>
-            <a:pPr indent="-228600" defTabSz="914400" eaLnBrk="1" hangingPunct="1">
-              <a:lnSpc>
-                <a:spcPct val="90000"/>
-              </a:lnSpc>
-              <a:buFont typeface="Arial" panose="020B0604020202020204" pitchFamily="34" charset="0"/>
-              <a:buChar char="•"/>
-            </a:pPr>
-            <a:endParaRPr lang="en-US" sz="7200" dirty="0">
-              <a:solidFill>
-                <a:srgbClr val="404040"/>
-              </a:solidFill>
-              <a:ea typeface="+mn-ea"/>
-              <a:cs typeface="+mn-cs"/>
-            </a:endParaRPr>
-          </a:p>
-          <a:p>
-            <a:pPr indent="-228600" defTabSz="914400" eaLnBrk="1" hangingPunct="1">
-              <a:lnSpc>
-                <a:spcPct val="90000"/>
-              </a:lnSpc>
-              <a:buFont typeface="Arial" panose="020B0604020202020204" pitchFamily="34" charset="0"/>
-              <a:buChar char="•"/>
-            </a:pPr>
-            <a:endParaRPr lang="en-US" sz="7200" dirty="0">
-              <a:solidFill>
-                <a:srgbClr val="404040"/>
-              </a:solidFill>
-              <a:ea typeface="+mn-ea"/>
-              <a:cs typeface="+mn-cs"/>
-            </a:endParaRPr>
-          </a:p>
-        </p:txBody>
-      </p:sp>
-    </p:spTree>
-    <p:custDataLst>
-      <p:tags r:id="rId1"/>
-    </p:custDataLst>
-    <p:extLst>
-      <p:ext uri="{BB962C8B-B14F-4D97-AF65-F5344CB8AC3E}">
-        <p14:creationId xmlns:p14="http://schemas.microsoft.com/office/powerpoint/2010/main" val="3647066437"/>
-      </p:ext>
-    </p:extLst>
-  </p:cSld>
-  <p:clrMapOvr>
-    <a:masterClrMapping/>
-  </p:clrMapOvr>
-</p:sld>
-</file>
-
 <file path=ppt/slides/slide2.xml><?xml version="1.0" encoding="utf-8"?>
 <p:sld xmlns:a="http://schemas.openxmlformats.org/drawingml/2006/main" xmlns:r="http://schemas.openxmlformats.org/officeDocument/2006/relationships" xmlns:p="http://schemas.openxmlformats.org/presentationml/2006/main">
   <p:cSld>
@@ -9698,452 +9013,6 @@
 </file>
 
 <file path=ppt/slides/slide3.xml><?xml version="1.0" encoding="utf-8"?>
-<p:sld xmlns:a="http://schemas.openxmlformats.org/drawingml/2006/main" xmlns:r="http://schemas.openxmlformats.org/officeDocument/2006/relationships" xmlns:p="http://schemas.openxmlformats.org/presentationml/2006/main">
-  <p:cSld>
-    <p:bg>
-      <p:bgPr>
-        <a:solidFill>
-          <a:schemeClr val="bg1">
-            <a:lumMod val="85000"/>
-          </a:schemeClr>
-        </a:solidFill>
-        <a:effectLst/>
-      </p:bgPr>
-    </p:bg>
-    <p:spTree>
-      <p:nvGrpSpPr>
-        <p:cNvPr id="1" name=""/>
-        <p:cNvGrpSpPr/>
-        <p:nvPr/>
-      </p:nvGrpSpPr>
-      <p:grpSpPr>
-        <a:xfrm>
-          <a:off x="0" y="0"/>
-          <a:ext cx="0" cy="0"/>
-          <a:chOff x="0" y="0"/>
-          <a:chExt cx="0" cy="0"/>
-        </a:xfrm>
-      </p:grpSpPr>
-      <p:sp>
-        <p:nvSpPr>
-          <p:cNvPr id="15" name="Rectangle 12">
-            <a:extLst>
-              <a:ext uri="{FF2B5EF4-FFF2-40B4-BE49-F238E27FC236}">
-                <a16:creationId xmlns:a16="http://schemas.microsoft.com/office/drawing/2014/main" id="{867D4867-5BA7-4462-B2F6-A23F4A622AA7}"/>
-              </a:ext>
-              <a:ext uri="{C183D7F6-B498-43B3-948B-1728B52AA6E4}">
-                <adec:decorative xmlns:adec="http://schemas.microsoft.com/office/drawing/2017/decorative" val="1"/>
-              </a:ext>
-            </a:extLst>
-          </p:cNvPr>
-          <p:cNvSpPr>
-            <a:spLocks noGrp="1" noRot="1" noChangeAspect="1" noMove="1" noResize="1" noEditPoints="1" noAdjustHandles="1" noChangeArrowheads="1" noChangeShapeType="1" noTextEdit="1"/>
-          </p:cNvSpPr>
-          <p:nvPr>
-            <p:extLst>
-              <p:ext uri="{386F3935-93C4-4BCD-93E2-E3B085C9AB24}">
-                <p16:designElem xmlns:p16="http://schemas.microsoft.com/office/powerpoint/2015/main" val="1"/>
-              </p:ext>
-            </p:extLst>
-          </p:nvPr>
-        </p:nvSpPr>
-        <p:spPr>
-          <a:xfrm>
-            <a:off x="0" y="0"/>
-            <a:ext cx="3490722" cy="6858000"/>
-          </a:xfrm>
-          <a:prstGeom prst="rect">
-            <a:avLst/>
-          </a:prstGeom>
-          <a:solidFill>
-            <a:schemeClr val="tx1">
-              <a:lumMod val="75000"/>
-              <a:lumOff val="25000"/>
-            </a:schemeClr>
-          </a:solidFill>
-          <a:ln>
-            <a:noFill/>
-          </a:ln>
-        </p:spPr>
-        <p:style>
-          <a:lnRef idx="0">
-            <a:scrgbClr r="0" g="0" b="0"/>
-          </a:lnRef>
-          <a:fillRef idx="0">
-            <a:scrgbClr r="0" g="0" b="0"/>
-          </a:fillRef>
-          <a:effectRef idx="0">
-            <a:scrgbClr r="0" g="0" b="0"/>
-          </a:effectRef>
-          <a:fontRef idx="minor">
-            <a:schemeClr val="lt1"/>
-          </a:fontRef>
-        </p:style>
-        <p:txBody>
-          <a:bodyPr rtlCol="0" anchor="ctr"/>
-          <a:lstStyle/>
-          <a:p>
-            <a:pPr algn="ctr"/>
-            <a:endParaRPr lang="en-US"/>
-          </a:p>
-        </p:txBody>
-      </p:sp>
-      <p:sp>
-        <p:nvSpPr>
-          <p:cNvPr id="2" name="Title 1"/>
-          <p:cNvSpPr>
-            <a:spLocks noGrp="1"/>
-          </p:cNvSpPr>
-          <p:nvPr>
-            <p:ph type="title"/>
-          </p:nvPr>
-        </p:nvSpPr>
-        <p:spPr>
-          <a:xfrm>
-            <a:off x="482600" y="643467"/>
-            <a:ext cx="2522980" cy="1597315"/>
-          </a:xfrm>
-          <a:noFill/>
-          <a:ln w="19050">
-            <a:solidFill>
-              <a:schemeClr val="bg1"/>
-            </a:solidFill>
-          </a:ln>
-        </p:spPr>
-        <p:txBody>
-          <a:bodyPr vert="horz" wrap="square" lIns="91440" tIns="45720" rIns="91440" bIns="45720" rtlCol="0" anchor="ctr">
-            <a:normAutofit/>
-          </a:bodyPr>
-          <a:lstStyle/>
-          <a:p>
-            <a:pPr defTabSz="914400" eaLnBrk="1" hangingPunct="1">
-              <a:lnSpc>
-                <a:spcPct val="90000"/>
-              </a:lnSpc>
-            </a:pPr>
-            <a:r>
-              <a:rPr lang="en-US" sz="2400" kern="1200" dirty="0">
-                <a:solidFill>
-                  <a:schemeClr val="bg1"/>
-                </a:solidFill>
-                <a:latin typeface="+mj-lt"/>
-                <a:ea typeface="+mj-ea"/>
-                <a:cs typeface="+mj-cs"/>
-              </a:rPr>
-              <a:t>Who are you?</a:t>
-            </a:r>
-          </a:p>
-        </p:txBody>
-      </p:sp>
-      <p:sp>
-        <p:nvSpPr>
-          <p:cNvPr id="5" name="Content Placeholder 2"/>
-          <p:cNvSpPr txBox="1">
-            <a:spLocks/>
-          </p:cNvSpPr>
-          <p:nvPr/>
-        </p:nvSpPr>
-        <p:spPr bwMode="auto">
-          <a:xfrm>
-            <a:off x="3810000" y="2275853"/>
-            <a:ext cx="4851400" cy="2099733"/>
-          </a:xfrm>
-          <a:prstGeom prst="rect">
-            <a:avLst/>
-          </a:prstGeom>
-        </p:spPr>
-        <p:txBody>
-          <a:bodyPr vert="horz" lIns="91440" tIns="45720" rIns="91440" bIns="45720" numCol="1" rtlCol="0" anchorCtr="0" compatLnSpc="1">
-            <a:prstTxWarp prst="textNoShape">
-              <a:avLst/>
-            </a:prstTxWarp>
-            <a:noAutofit/>
-          </a:bodyPr>
-          <a:lstStyle>
-            <a:lvl1pPr marL="342900" indent="-342900" algn="l" defTabSz="457200" rtl="0" eaLnBrk="0" fontAlgn="base" hangingPunct="0">
-              <a:spcBef>
-                <a:spcPct val="20000"/>
-              </a:spcBef>
-              <a:spcAft>
-                <a:spcPct val="0"/>
-              </a:spcAft>
-              <a:buFont typeface="Arial" charset="0"/>
-              <a:buChar char="•"/>
-              <a:defRPr sz="3200" kern="1200">
-                <a:solidFill>
-                  <a:schemeClr val="tx1"/>
-                </a:solidFill>
-                <a:latin typeface="+mn-lt"/>
-                <a:ea typeface="ＭＳ Ｐゴシック" pitchFamily="-109" charset="-128"/>
-                <a:cs typeface="ＭＳ Ｐゴシック" pitchFamily="-109" charset="-128"/>
-              </a:defRPr>
-            </a:lvl1pPr>
-            <a:lvl2pPr marL="742950" indent="-285750" algn="l" defTabSz="457200" rtl="0" eaLnBrk="0" fontAlgn="base" hangingPunct="0">
-              <a:spcBef>
-                <a:spcPct val="20000"/>
-              </a:spcBef>
-              <a:spcAft>
-                <a:spcPct val="0"/>
-              </a:spcAft>
-              <a:buFont typeface="Arial" charset="0"/>
-              <a:buChar char="–"/>
-              <a:defRPr sz="2800" kern="1200">
-                <a:solidFill>
-                  <a:schemeClr val="tx1"/>
-                </a:solidFill>
-                <a:latin typeface="+mn-lt"/>
-                <a:ea typeface="ＭＳ Ｐゴシック" pitchFamily="-109" charset="-128"/>
-                <a:cs typeface="+mn-cs"/>
-              </a:defRPr>
-            </a:lvl2pPr>
-            <a:lvl3pPr marL="1143000" indent="-228600" algn="l" defTabSz="457200" rtl="0" eaLnBrk="0" fontAlgn="base" hangingPunct="0">
-              <a:spcBef>
-                <a:spcPct val="20000"/>
-              </a:spcBef>
-              <a:spcAft>
-                <a:spcPct val="0"/>
-              </a:spcAft>
-              <a:buFont typeface="Arial" charset="0"/>
-              <a:buChar char="•"/>
-              <a:defRPr sz="2400" kern="1200">
-                <a:solidFill>
-                  <a:schemeClr val="tx1"/>
-                </a:solidFill>
-                <a:latin typeface="+mn-lt"/>
-                <a:ea typeface="ＭＳ Ｐゴシック" pitchFamily="-109" charset="-128"/>
-                <a:cs typeface="+mn-cs"/>
-              </a:defRPr>
-            </a:lvl3pPr>
-            <a:lvl4pPr marL="1600200" indent="-228600" algn="l" defTabSz="457200" rtl="0" eaLnBrk="0" fontAlgn="base" hangingPunct="0">
-              <a:spcBef>
-                <a:spcPct val="20000"/>
-              </a:spcBef>
-              <a:spcAft>
-                <a:spcPct val="0"/>
-              </a:spcAft>
-              <a:buFont typeface="Arial" charset="0"/>
-              <a:buChar char="–"/>
-              <a:defRPr sz="2000" kern="1200">
-                <a:solidFill>
-                  <a:schemeClr val="tx1"/>
-                </a:solidFill>
-                <a:latin typeface="+mn-lt"/>
-                <a:ea typeface="ＭＳ Ｐゴシック" pitchFamily="-109" charset="-128"/>
-                <a:cs typeface="+mn-cs"/>
-              </a:defRPr>
-            </a:lvl4pPr>
-            <a:lvl5pPr marL="2057400" indent="-228600" algn="l" defTabSz="457200" rtl="0" eaLnBrk="0" fontAlgn="base" hangingPunct="0">
-              <a:spcBef>
-                <a:spcPct val="20000"/>
-              </a:spcBef>
-              <a:spcAft>
-                <a:spcPct val="0"/>
-              </a:spcAft>
-              <a:buFont typeface="Arial" charset="0"/>
-              <a:buChar char="»"/>
-              <a:defRPr sz="2000" kern="1200">
-                <a:solidFill>
-                  <a:schemeClr val="tx1"/>
-                </a:solidFill>
-                <a:latin typeface="+mn-lt"/>
-                <a:ea typeface="ＭＳ Ｐゴシック" pitchFamily="-109" charset="-128"/>
-                <a:cs typeface="+mn-cs"/>
-              </a:defRPr>
-            </a:lvl5pPr>
-            <a:lvl6pPr marL="2514600" indent="-228600" algn="l" defTabSz="457200" rtl="0" eaLnBrk="1" latinLnBrk="0" hangingPunct="1">
-              <a:spcBef>
-                <a:spcPct val="20000"/>
-              </a:spcBef>
-              <a:buFont typeface="Arial"/>
-              <a:buChar char="•"/>
-              <a:defRPr sz="2000" kern="1200">
-                <a:solidFill>
-                  <a:schemeClr val="tx1"/>
-                </a:solidFill>
-                <a:latin typeface="+mn-lt"/>
-                <a:ea typeface="+mn-ea"/>
-                <a:cs typeface="+mn-cs"/>
-              </a:defRPr>
-            </a:lvl6pPr>
-            <a:lvl7pPr marL="2971800" indent="-228600" algn="l" defTabSz="457200" rtl="0" eaLnBrk="1" latinLnBrk="0" hangingPunct="1">
-              <a:spcBef>
-                <a:spcPct val="20000"/>
-              </a:spcBef>
-              <a:buFont typeface="Arial"/>
-              <a:buChar char="•"/>
-              <a:defRPr sz="2000" kern="1200">
-                <a:solidFill>
-                  <a:schemeClr val="tx1"/>
-                </a:solidFill>
-                <a:latin typeface="+mn-lt"/>
-                <a:ea typeface="+mn-ea"/>
-                <a:cs typeface="+mn-cs"/>
-              </a:defRPr>
-            </a:lvl7pPr>
-            <a:lvl8pPr marL="3429000" indent="-228600" algn="l" defTabSz="457200" rtl="0" eaLnBrk="1" latinLnBrk="0" hangingPunct="1">
-              <a:spcBef>
-                <a:spcPct val="20000"/>
-              </a:spcBef>
-              <a:buFont typeface="Arial"/>
-              <a:buChar char="•"/>
-              <a:defRPr sz="2000" kern="1200">
-                <a:solidFill>
-                  <a:schemeClr val="tx1"/>
-                </a:solidFill>
-                <a:latin typeface="+mn-lt"/>
-                <a:ea typeface="+mn-ea"/>
-                <a:cs typeface="+mn-cs"/>
-              </a:defRPr>
-            </a:lvl8pPr>
-            <a:lvl9pPr marL="3886200" indent="-228600" algn="l" defTabSz="457200" rtl="0" eaLnBrk="1" latinLnBrk="0" hangingPunct="1">
-              <a:spcBef>
-                <a:spcPct val="20000"/>
-              </a:spcBef>
-              <a:buFont typeface="Arial"/>
-              <a:buChar char="•"/>
-              <a:defRPr sz="2000" kern="1200">
-                <a:solidFill>
-                  <a:schemeClr val="tx1"/>
-                </a:solidFill>
-                <a:latin typeface="+mn-lt"/>
-                <a:ea typeface="+mn-ea"/>
-                <a:cs typeface="+mn-cs"/>
-              </a:defRPr>
-            </a:lvl9pPr>
-          </a:lstStyle>
-          <a:p>
-            <a:pPr marL="114300" indent="0" algn="ctr" defTabSz="914400" eaLnBrk="1" hangingPunct="1">
-              <a:lnSpc>
-                <a:spcPct val="90000"/>
-              </a:lnSpc>
-              <a:buNone/>
-            </a:pPr>
-            <a:r>
-              <a:rPr lang="en-US" sz="6000" b="1" dirty="0">
-                <a:solidFill>
-                  <a:srgbClr val="404040"/>
-                </a:solidFill>
-                <a:ea typeface="+mn-ea"/>
-                <a:cs typeface="+mn-cs"/>
-              </a:rPr>
-              <a:t>I Don’t Know</a:t>
-            </a:r>
-          </a:p>
-          <a:p>
-            <a:pPr marL="114300" indent="0" algn="ctr" defTabSz="914400" eaLnBrk="1" hangingPunct="1">
-              <a:lnSpc>
-                <a:spcPct val="90000"/>
-              </a:lnSpc>
-              <a:buNone/>
-            </a:pPr>
-            <a:r>
-              <a:rPr lang="en-US" sz="6000" b="1" dirty="0">
-                <a:solidFill>
-                  <a:srgbClr val="404040"/>
-                </a:solidFill>
-                <a:ea typeface="+mn-ea"/>
-                <a:cs typeface="+mn-cs"/>
-              </a:rPr>
-              <a:t>#</a:t>
-            </a:r>
-            <a:r>
-              <a:rPr lang="en-US" sz="6000" b="1" dirty="0" err="1">
-                <a:solidFill>
-                  <a:srgbClr val="404040"/>
-                </a:solidFill>
-                <a:ea typeface="+mn-ea"/>
-                <a:cs typeface="+mn-cs"/>
-              </a:rPr>
-              <a:t>RollCall</a:t>
-            </a:r>
-            <a:endParaRPr lang="en-US" sz="6000" b="1" dirty="0">
-              <a:solidFill>
-                <a:srgbClr val="404040"/>
-              </a:solidFill>
-              <a:ea typeface="+mn-ea"/>
-              <a:cs typeface="+mn-cs"/>
-            </a:endParaRPr>
-          </a:p>
-          <a:p>
-            <a:pPr indent="-228600" defTabSz="914400" eaLnBrk="1" hangingPunct="1">
-              <a:lnSpc>
-                <a:spcPct val="90000"/>
-              </a:lnSpc>
-              <a:buFont typeface="Arial" panose="020B0604020202020204" pitchFamily="34" charset="0"/>
-              <a:buChar char="•"/>
-            </a:pPr>
-            <a:endParaRPr lang="en-US" sz="1600" dirty="0">
-              <a:solidFill>
-                <a:srgbClr val="404040"/>
-              </a:solidFill>
-              <a:ea typeface="+mn-ea"/>
-              <a:cs typeface="+mn-cs"/>
-            </a:endParaRPr>
-          </a:p>
-          <a:p>
-            <a:pPr marL="114300" indent="0" defTabSz="914400" eaLnBrk="1" hangingPunct="1">
-              <a:lnSpc>
-                <a:spcPct val="90000"/>
-              </a:lnSpc>
-              <a:buNone/>
-            </a:pPr>
-            <a:endParaRPr lang="en-US" sz="2000" dirty="0">
-              <a:solidFill>
-                <a:srgbClr val="404040"/>
-              </a:solidFill>
-              <a:ea typeface="+mn-ea"/>
-              <a:cs typeface="+mn-cs"/>
-            </a:endParaRPr>
-          </a:p>
-        </p:txBody>
-      </p:sp>
-      <p:pic>
-        <p:nvPicPr>
-          <p:cNvPr id="8" name="Picture 7">
-            <a:extLst>
-              <a:ext uri="{FF2B5EF4-FFF2-40B4-BE49-F238E27FC236}">
-                <a16:creationId xmlns:a16="http://schemas.microsoft.com/office/drawing/2014/main" id="{521D4292-9ECC-4DA5-8CC0-C561A0DA118E}"/>
-              </a:ext>
-            </a:extLst>
-          </p:cNvPr>
-          <p:cNvPicPr>
-            <a:picLocks noChangeAspect="1"/>
-          </p:cNvPicPr>
-          <p:nvPr/>
-        </p:nvPicPr>
-        <p:blipFill rotWithShape="1">
-          <a:blip r:embed="rId3"/>
-          <a:srcRect l="8000" r="9400"/>
-          <a:stretch/>
-        </p:blipFill>
-        <p:spPr>
-          <a:xfrm>
-            <a:off x="660103" y="3048000"/>
-            <a:ext cx="2167974" cy="2624666"/>
-          </a:xfrm>
-          <a:prstGeom prst="rect">
-            <a:avLst/>
-          </a:prstGeom>
-          <a:noFill/>
-        </p:spPr>
-      </p:pic>
-    </p:spTree>
-    <p:custDataLst>
-      <p:tags r:id="rId1"/>
-    </p:custDataLst>
-    <p:extLst>
-      <p:ext uri="{BB962C8B-B14F-4D97-AF65-F5344CB8AC3E}">
-        <p14:creationId xmlns:p14="http://schemas.microsoft.com/office/powerpoint/2010/main" val="641320167"/>
-      </p:ext>
-    </p:extLst>
-  </p:cSld>
-  <p:clrMapOvr>
-    <a:masterClrMapping/>
-  </p:clrMapOvr>
-</p:sld>
-</file>
-
-<file path=ppt/slides/slide4.xml><?xml version="1.0" encoding="utf-8"?>
 <p:sld xmlns:a="http://schemas.openxmlformats.org/drawingml/2006/main" xmlns:r="http://schemas.openxmlformats.org/officeDocument/2006/relationships" xmlns:p="http://schemas.openxmlformats.org/presentationml/2006/main">
   <p:cSld>
     <p:bg>
@@ -10900,7 +9769,7 @@
 </p:sld>
 </file>
 
-<file path=ppt/slides/slide5.xml><?xml version="1.0" encoding="utf-8"?>
+<file path=ppt/slides/slide4.xml><?xml version="1.0" encoding="utf-8"?>
 <p:sld xmlns:a="http://schemas.openxmlformats.org/drawingml/2006/main" xmlns:r="http://schemas.openxmlformats.org/officeDocument/2006/relationships" xmlns:p="http://schemas.openxmlformats.org/presentationml/2006/main">
   <p:cSld>
     <p:bg>
@@ -11567,7 +10436,7 @@
 </p:sld>
 </file>
 
-<file path=ppt/slides/slide6.xml><?xml version="1.0" encoding="utf-8"?>
+<file path=ppt/slides/slide5.xml><?xml version="1.0" encoding="utf-8"?>
 <p:sld xmlns:a="http://schemas.openxmlformats.org/drawingml/2006/main" xmlns:r="http://schemas.openxmlformats.org/officeDocument/2006/relationships" xmlns:p="http://schemas.openxmlformats.org/presentationml/2006/main">
   <p:cSld>
     <p:bg>
@@ -12380,6 +11249,708 @@
     <p:extLst>
       <p:ext uri="{BB962C8B-B14F-4D97-AF65-F5344CB8AC3E}">
         <p14:creationId xmlns:p14="http://schemas.microsoft.com/office/powerpoint/2010/main" val="1241006330"/>
+      </p:ext>
+    </p:extLst>
+  </p:cSld>
+  <p:clrMapOvr>
+    <a:masterClrMapping/>
+  </p:clrMapOvr>
+</p:sld>
+</file>
+
+<file path=ppt/slides/slide6.xml><?xml version="1.0" encoding="utf-8"?>
+<p:sld xmlns:a="http://schemas.openxmlformats.org/drawingml/2006/main" xmlns:r="http://schemas.openxmlformats.org/officeDocument/2006/relationships" xmlns:p="http://schemas.openxmlformats.org/presentationml/2006/main">
+  <p:cSld>
+    <p:bg>
+      <p:bgPr>
+        <a:solidFill>
+          <a:schemeClr val="bg1">
+            <a:lumMod val="85000"/>
+          </a:schemeClr>
+        </a:solidFill>
+        <a:effectLst/>
+      </p:bgPr>
+    </p:bg>
+    <p:spTree>
+      <p:nvGrpSpPr>
+        <p:cNvPr id="1" name=""/>
+        <p:cNvGrpSpPr/>
+        <p:nvPr/>
+      </p:nvGrpSpPr>
+      <p:grpSpPr>
+        <a:xfrm>
+          <a:off x="0" y="0"/>
+          <a:ext cx="0" cy="0"/>
+          <a:chOff x="0" y="0"/>
+          <a:chExt cx="0" cy="0"/>
+        </a:xfrm>
+      </p:grpSpPr>
+      <p:sp>
+        <p:nvSpPr>
+          <p:cNvPr id="15" name="Rectangle 12">
+            <a:extLst>
+              <a:ext uri="{FF2B5EF4-FFF2-40B4-BE49-F238E27FC236}">
+                <a16:creationId xmlns:a16="http://schemas.microsoft.com/office/drawing/2014/main" id="{867D4867-5BA7-4462-B2F6-A23F4A622AA7}"/>
+              </a:ext>
+              <a:ext uri="{C183D7F6-B498-43B3-948B-1728B52AA6E4}">
+                <adec:decorative xmlns:adec="http://schemas.microsoft.com/office/drawing/2017/decorative" val="1"/>
+              </a:ext>
+            </a:extLst>
+          </p:cNvPr>
+          <p:cNvSpPr>
+            <a:spLocks noGrp="1" noRot="1" noChangeAspect="1" noMove="1" noResize="1" noEditPoints="1" noAdjustHandles="1" noChangeArrowheads="1" noChangeShapeType="1" noTextEdit="1"/>
+          </p:cNvSpPr>
+          <p:nvPr>
+            <p:extLst>
+              <p:ext uri="{386F3935-93C4-4BCD-93E2-E3B085C9AB24}">
+                <p16:designElem xmlns:p16="http://schemas.microsoft.com/office/powerpoint/2015/main" val="1"/>
+              </p:ext>
+            </p:extLst>
+          </p:nvPr>
+        </p:nvSpPr>
+        <p:spPr>
+          <a:xfrm>
+            <a:off x="0" y="0"/>
+            <a:ext cx="3490722" cy="6858000"/>
+          </a:xfrm>
+          <a:prstGeom prst="rect">
+            <a:avLst/>
+          </a:prstGeom>
+          <a:solidFill>
+            <a:schemeClr val="tx1">
+              <a:lumMod val="75000"/>
+              <a:lumOff val="25000"/>
+            </a:schemeClr>
+          </a:solidFill>
+          <a:ln>
+            <a:noFill/>
+          </a:ln>
+        </p:spPr>
+        <p:style>
+          <a:lnRef idx="0">
+            <a:scrgbClr r="0" g="0" b="0"/>
+          </a:lnRef>
+          <a:fillRef idx="0">
+            <a:scrgbClr r="0" g="0" b="0"/>
+          </a:fillRef>
+          <a:effectRef idx="0">
+            <a:scrgbClr r="0" g="0" b="0"/>
+          </a:effectRef>
+          <a:fontRef idx="minor">
+            <a:schemeClr val="lt1"/>
+          </a:fontRef>
+        </p:style>
+        <p:txBody>
+          <a:bodyPr rtlCol="0" anchor="ctr"/>
+          <a:lstStyle/>
+          <a:p>
+            <a:pPr algn="ctr"/>
+            <a:endParaRPr lang="en-US"/>
+          </a:p>
+        </p:txBody>
+      </p:sp>
+      <p:sp>
+        <p:nvSpPr>
+          <p:cNvPr id="2" name="Title 1"/>
+          <p:cNvSpPr>
+            <a:spLocks noGrp="1"/>
+          </p:cNvSpPr>
+          <p:nvPr>
+            <p:ph type="title"/>
+          </p:nvPr>
+        </p:nvSpPr>
+        <p:spPr>
+          <a:xfrm>
+            <a:off x="482600" y="643467"/>
+            <a:ext cx="2522980" cy="1597315"/>
+          </a:xfrm>
+          <a:noFill/>
+          <a:ln w="19050">
+            <a:solidFill>
+              <a:schemeClr val="bg1"/>
+            </a:solidFill>
+          </a:ln>
+        </p:spPr>
+        <p:txBody>
+          <a:bodyPr vert="horz" wrap="square" lIns="91440" tIns="45720" rIns="91440" bIns="45720" rtlCol="0" anchor="ctr">
+            <a:normAutofit/>
+          </a:bodyPr>
+          <a:lstStyle/>
+          <a:p>
+            <a:pPr defTabSz="914400" eaLnBrk="1" hangingPunct="1">
+              <a:lnSpc>
+                <a:spcPct val="90000"/>
+              </a:lnSpc>
+            </a:pPr>
+            <a:r>
+              <a:rPr lang="en-US" sz="2400" kern="1200" dirty="0">
+                <a:solidFill>
+                  <a:schemeClr val="bg1"/>
+                </a:solidFill>
+                <a:latin typeface="+mj-lt"/>
+                <a:ea typeface="+mj-ea"/>
+                <a:cs typeface="+mj-cs"/>
+              </a:rPr>
+              <a:t>What will </a:t>
+            </a:r>
+            <a:r>
+              <a:rPr lang="en-US" sz="2400" dirty="0">
+                <a:solidFill>
+                  <a:schemeClr val="bg1"/>
+                </a:solidFill>
+                <a:ea typeface="+mj-ea"/>
+                <a:cs typeface="+mj-cs"/>
+              </a:rPr>
+              <a:t>We Do?</a:t>
+            </a:r>
+            <a:endParaRPr lang="en-US" sz="2400" kern="1200" dirty="0">
+              <a:solidFill>
+                <a:schemeClr val="bg1"/>
+              </a:solidFill>
+              <a:latin typeface="+mj-lt"/>
+              <a:ea typeface="+mj-ea"/>
+              <a:cs typeface="+mj-cs"/>
+            </a:endParaRPr>
+          </a:p>
+        </p:txBody>
+      </p:sp>
+      <p:pic>
+        <p:nvPicPr>
+          <p:cNvPr id="8" name="Picture 7">
+            <a:extLst>
+              <a:ext uri="{FF2B5EF4-FFF2-40B4-BE49-F238E27FC236}">
+                <a16:creationId xmlns:a16="http://schemas.microsoft.com/office/drawing/2014/main" id="{521D4292-9ECC-4DA5-8CC0-C561A0DA118E}"/>
+              </a:ext>
+            </a:extLst>
+          </p:cNvPr>
+          <p:cNvPicPr>
+            <a:picLocks noChangeAspect="1"/>
+          </p:cNvPicPr>
+          <p:nvPr/>
+        </p:nvPicPr>
+        <p:blipFill rotWithShape="1">
+          <a:blip r:embed="rId3"/>
+          <a:srcRect l="8000" r="9400"/>
+          <a:stretch/>
+        </p:blipFill>
+        <p:spPr>
+          <a:xfrm>
+            <a:off x="660103" y="3048000"/>
+            <a:ext cx="2167974" cy="2624666"/>
+          </a:xfrm>
+          <a:prstGeom prst="rect">
+            <a:avLst/>
+          </a:prstGeom>
+          <a:noFill/>
+        </p:spPr>
+      </p:pic>
+      <p:sp>
+        <p:nvSpPr>
+          <p:cNvPr id="7" name="Content Placeholder 2">
+            <a:extLst>
+              <a:ext uri="{FF2B5EF4-FFF2-40B4-BE49-F238E27FC236}">
+                <a16:creationId xmlns:a16="http://schemas.microsoft.com/office/drawing/2014/main" id="{8FE51533-15BE-453E-90FE-08298901BC34}"/>
+              </a:ext>
+            </a:extLst>
+          </p:cNvPr>
+          <p:cNvSpPr txBox="1">
+            <a:spLocks/>
+          </p:cNvSpPr>
+          <p:nvPr/>
+        </p:nvSpPr>
+        <p:spPr bwMode="auto">
+          <a:xfrm>
+            <a:off x="3810000" y="643466"/>
+            <a:ext cx="4851400" cy="5833533"/>
+          </a:xfrm>
+          <a:prstGeom prst="rect">
+            <a:avLst/>
+          </a:prstGeom>
+        </p:spPr>
+        <p:txBody>
+          <a:bodyPr vert="horz" lIns="91440" tIns="45720" rIns="91440" bIns="45720" numCol="1" rtlCol="0" anchorCtr="0" compatLnSpc="1">
+            <a:prstTxWarp prst="textNoShape">
+              <a:avLst/>
+            </a:prstTxWarp>
+            <a:noAutofit/>
+          </a:bodyPr>
+          <a:lstStyle>
+            <a:lvl1pPr marL="342900" indent="-342900" algn="l" defTabSz="457200" rtl="0" eaLnBrk="0" fontAlgn="base" hangingPunct="0">
+              <a:spcBef>
+                <a:spcPct val="20000"/>
+              </a:spcBef>
+              <a:spcAft>
+                <a:spcPct val="0"/>
+              </a:spcAft>
+              <a:buFont typeface="Arial" charset="0"/>
+              <a:buChar char="•"/>
+              <a:defRPr sz="3200" kern="1200">
+                <a:solidFill>
+                  <a:schemeClr val="tx1"/>
+                </a:solidFill>
+                <a:latin typeface="+mn-lt"/>
+                <a:ea typeface="ＭＳ Ｐゴシック" pitchFamily="-109" charset="-128"/>
+                <a:cs typeface="ＭＳ Ｐゴシック" pitchFamily="-109" charset="-128"/>
+              </a:defRPr>
+            </a:lvl1pPr>
+            <a:lvl2pPr marL="742950" indent="-285750" algn="l" defTabSz="457200" rtl="0" eaLnBrk="0" fontAlgn="base" hangingPunct="0">
+              <a:spcBef>
+                <a:spcPct val="20000"/>
+              </a:spcBef>
+              <a:spcAft>
+                <a:spcPct val="0"/>
+              </a:spcAft>
+              <a:buFont typeface="Arial" charset="0"/>
+              <a:buChar char="–"/>
+              <a:defRPr sz="2800" kern="1200">
+                <a:solidFill>
+                  <a:schemeClr val="tx1"/>
+                </a:solidFill>
+                <a:latin typeface="+mn-lt"/>
+                <a:ea typeface="ＭＳ Ｐゴシック" pitchFamily="-109" charset="-128"/>
+                <a:cs typeface="+mn-cs"/>
+              </a:defRPr>
+            </a:lvl2pPr>
+            <a:lvl3pPr marL="1143000" indent="-228600" algn="l" defTabSz="457200" rtl="0" eaLnBrk="0" fontAlgn="base" hangingPunct="0">
+              <a:spcBef>
+                <a:spcPct val="20000"/>
+              </a:spcBef>
+              <a:spcAft>
+                <a:spcPct val="0"/>
+              </a:spcAft>
+              <a:buFont typeface="Arial" charset="0"/>
+              <a:buChar char="•"/>
+              <a:defRPr sz="2400" kern="1200">
+                <a:solidFill>
+                  <a:schemeClr val="tx1"/>
+                </a:solidFill>
+                <a:latin typeface="+mn-lt"/>
+                <a:ea typeface="ＭＳ Ｐゴシック" pitchFamily="-109" charset="-128"/>
+                <a:cs typeface="+mn-cs"/>
+              </a:defRPr>
+            </a:lvl3pPr>
+            <a:lvl4pPr marL="1600200" indent="-228600" algn="l" defTabSz="457200" rtl="0" eaLnBrk="0" fontAlgn="base" hangingPunct="0">
+              <a:spcBef>
+                <a:spcPct val="20000"/>
+              </a:spcBef>
+              <a:spcAft>
+                <a:spcPct val="0"/>
+              </a:spcAft>
+              <a:buFont typeface="Arial" charset="0"/>
+              <a:buChar char="–"/>
+              <a:defRPr sz="2000" kern="1200">
+                <a:solidFill>
+                  <a:schemeClr val="tx1"/>
+                </a:solidFill>
+                <a:latin typeface="+mn-lt"/>
+                <a:ea typeface="ＭＳ Ｐゴシック" pitchFamily="-109" charset="-128"/>
+                <a:cs typeface="+mn-cs"/>
+              </a:defRPr>
+            </a:lvl4pPr>
+            <a:lvl5pPr marL="2057400" indent="-228600" algn="l" defTabSz="457200" rtl="0" eaLnBrk="0" fontAlgn="base" hangingPunct="0">
+              <a:spcBef>
+                <a:spcPct val="20000"/>
+              </a:spcBef>
+              <a:spcAft>
+                <a:spcPct val="0"/>
+              </a:spcAft>
+              <a:buFont typeface="Arial" charset="0"/>
+              <a:buChar char="»"/>
+              <a:defRPr sz="2000" kern="1200">
+                <a:solidFill>
+                  <a:schemeClr val="tx1"/>
+                </a:solidFill>
+                <a:latin typeface="+mn-lt"/>
+                <a:ea typeface="ＭＳ Ｐゴシック" pitchFamily="-109" charset="-128"/>
+                <a:cs typeface="+mn-cs"/>
+              </a:defRPr>
+            </a:lvl5pPr>
+            <a:lvl6pPr marL="2514600" indent="-228600" algn="l" defTabSz="457200" rtl="0" eaLnBrk="1" latinLnBrk="0" hangingPunct="1">
+              <a:spcBef>
+                <a:spcPct val="20000"/>
+              </a:spcBef>
+              <a:buFont typeface="Arial"/>
+              <a:buChar char="•"/>
+              <a:defRPr sz="2000" kern="1200">
+                <a:solidFill>
+                  <a:schemeClr val="tx1"/>
+                </a:solidFill>
+                <a:latin typeface="+mn-lt"/>
+                <a:ea typeface="+mn-ea"/>
+                <a:cs typeface="+mn-cs"/>
+              </a:defRPr>
+            </a:lvl6pPr>
+            <a:lvl7pPr marL="2971800" indent="-228600" algn="l" defTabSz="457200" rtl="0" eaLnBrk="1" latinLnBrk="0" hangingPunct="1">
+              <a:spcBef>
+                <a:spcPct val="20000"/>
+              </a:spcBef>
+              <a:buFont typeface="Arial"/>
+              <a:buChar char="•"/>
+              <a:defRPr sz="2000" kern="1200">
+                <a:solidFill>
+                  <a:schemeClr val="tx1"/>
+                </a:solidFill>
+                <a:latin typeface="+mn-lt"/>
+                <a:ea typeface="+mn-ea"/>
+                <a:cs typeface="+mn-cs"/>
+              </a:defRPr>
+            </a:lvl7pPr>
+            <a:lvl8pPr marL="3429000" indent="-228600" algn="l" defTabSz="457200" rtl="0" eaLnBrk="1" latinLnBrk="0" hangingPunct="1">
+              <a:spcBef>
+                <a:spcPct val="20000"/>
+              </a:spcBef>
+              <a:buFont typeface="Arial"/>
+              <a:buChar char="•"/>
+              <a:defRPr sz="2000" kern="1200">
+                <a:solidFill>
+                  <a:schemeClr val="tx1"/>
+                </a:solidFill>
+                <a:latin typeface="+mn-lt"/>
+                <a:ea typeface="+mn-ea"/>
+                <a:cs typeface="+mn-cs"/>
+              </a:defRPr>
+            </a:lvl8pPr>
+            <a:lvl9pPr marL="3886200" indent="-228600" algn="l" defTabSz="457200" rtl="0" eaLnBrk="1" latinLnBrk="0" hangingPunct="1">
+              <a:spcBef>
+                <a:spcPct val="20000"/>
+              </a:spcBef>
+              <a:buFont typeface="Arial"/>
+              <a:buChar char="•"/>
+              <a:defRPr sz="2000" kern="1200">
+                <a:solidFill>
+                  <a:schemeClr val="tx1"/>
+                </a:solidFill>
+                <a:latin typeface="+mn-lt"/>
+                <a:ea typeface="+mn-ea"/>
+                <a:cs typeface="+mn-cs"/>
+              </a:defRPr>
+            </a:lvl9pPr>
+          </a:lstStyle>
+          <a:p>
+            <a:pPr indent="-228600" defTabSz="914400" eaLnBrk="1" hangingPunct="1">
+              <a:lnSpc>
+                <a:spcPct val="90000"/>
+              </a:lnSpc>
+              <a:buFont typeface="Arial" panose="020B0604020202020204" pitchFamily="34" charset="0"/>
+              <a:buChar char="•"/>
+            </a:pPr>
+            <a:endParaRPr lang="en-US" sz="2000" dirty="0">
+              <a:solidFill>
+                <a:srgbClr val="404040"/>
+              </a:solidFill>
+              <a:ea typeface="+mn-ea"/>
+              <a:cs typeface="+mn-cs"/>
+            </a:endParaRPr>
+          </a:p>
+          <a:p>
+            <a:pPr indent="-228600" defTabSz="914400" eaLnBrk="1" hangingPunct="1">
+              <a:lnSpc>
+                <a:spcPct val="90000"/>
+              </a:lnSpc>
+              <a:buFont typeface="Arial" panose="020B0604020202020204" pitchFamily="34" charset="0"/>
+              <a:buChar char="•"/>
+            </a:pPr>
+            <a:endParaRPr lang="en-US" sz="2000" dirty="0">
+              <a:solidFill>
+                <a:srgbClr val="404040"/>
+              </a:solidFill>
+              <a:ea typeface="+mn-ea"/>
+              <a:cs typeface="+mn-cs"/>
+            </a:endParaRPr>
+          </a:p>
+        </p:txBody>
+      </p:sp>
+      <p:sp>
+        <p:nvSpPr>
+          <p:cNvPr id="10" name="Content Placeholder 2">
+            <a:extLst>
+              <a:ext uri="{FF2B5EF4-FFF2-40B4-BE49-F238E27FC236}">
+                <a16:creationId xmlns:a16="http://schemas.microsoft.com/office/drawing/2014/main" id="{10754C74-871F-42E2-A79F-10B9CCA16CD5}"/>
+              </a:ext>
+            </a:extLst>
+          </p:cNvPr>
+          <p:cNvSpPr txBox="1">
+            <a:spLocks/>
+          </p:cNvSpPr>
+          <p:nvPr/>
+        </p:nvSpPr>
+        <p:spPr bwMode="auto">
+          <a:xfrm>
+            <a:off x="3962400" y="795866"/>
+            <a:ext cx="4851400" cy="5833533"/>
+          </a:xfrm>
+          <a:prstGeom prst="rect">
+            <a:avLst/>
+          </a:prstGeom>
+        </p:spPr>
+        <p:txBody>
+          <a:bodyPr vert="horz" lIns="91440" tIns="45720" rIns="91440" bIns="45720" numCol="1" rtlCol="0" anchorCtr="0" compatLnSpc="1">
+            <a:prstTxWarp prst="textNoShape">
+              <a:avLst/>
+            </a:prstTxWarp>
+            <a:noAutofit/>
+          </a:bodyPr>
+          <a:lstStyle>
+            <a:lvl1pPr marL="342900" indent="-342900" algn="l" defTabSz="457200" rtl="0" eaLnBrk="0" fontAlgn="base" hangingPunct="0">
+              <a:spcBef>
+                <a:spcPct val="20000"/>
+              </a:spcBef>
+              <a:spcAft>
+                <a:spcPct val="0"/>
+              </a:spcAft>
+              <a:buFont typeface="Arial" charset="0"/>
+              <a:buChar char="•"/>
+              <a:defRPr sz="3200" kern="1200">
+                <a:solidFill>
+                  <a:schemeClr val="tx1"/>
+                </a:solidFill>
+                <a:latin typeface="+mn-lt"/>
+                <a:ea typeface="ＭＳ Ｐゴシック" pitchFamily="-109" charset="-128"/>
+                <a:cs typeface="ＭＳ Ｐゴシック" pitchFamily="-109" charset="-128"/>
+              </a:defRPr>
+            </a:lvl1pPr>
+            <a:lvl2pPr marL="742950" indent="-285750" algn="l" defTabSz="457200" rtl="0" eaLnBrk="0" fontAlgn="base" hangingPunct="0">
+              <a:spcBef>
+                <a:spcPct val="20000"/>
+              </a:spcBef>
+              <a:spcAft>
+                <a:spcPct val="0"/>
+              </a:spcAft>
+              <a:buFont typeface="Arial" charset="0"/>
+              <a:buChar char="–"/>
+              <a:defRPr sz="2800" kern="1200">
+                <a:solidFill>
+                  <a:schemeClr val="tx1"/>
+                </a:solidFill>
+                <a:latin typeface="+mn-lt"/>
+                <a:ea typeface="ＭＳ Ｐゴシック" pitchFamily="-109" charset="-128"/>
+                <a:cs typeface="+mn-cs"/>
+              </a:defRPr>
+            </a:lvl2pPr>
+            <a:lvl3pPr marL="1143000" indent="-228600" algn="l" defTabSz="457200" rtl="0" eaLnBrk="0" fontAlgn="base" hangingPunct="0">
+              <a:spcBef>
+                <a:spcPct val="20000"/>
+              </a:spcBef>
+              <a:spcAft>
+                <a:spcPct val="0"/>
+              </a:spcAft>
+              <a:buFont typeface="Arial" charset="0"/>
+              <a:buChar char="•"/>
+              <a:defRPr sz="2400" kern="1200">
+                <a:solidFill>
+                  <a:schemeClr val="tx1"/>
+                </a:solidFill>
+                <a:latin typeface="+mn-lt"/>
+                <a:ea typeface="ＭＳ Ｐゴシック" pitchFamily="-109" charset="-128"/>
+                <a:cs typeface="+mn-cs"/>
+              </a:defRPr>
+            </a:lvl3pPr>
+            <a:lvl4pPr marL="1600200" indent="-228600" algn="l" defTabSz="457200" rtl="0" eaLnBrk="0" fontAlgn="base" hangingPunct="0">
+              <a:spcBef>
+                <a:spcPct val="20000"/>
+              </a:spcBef>
+              <a:spcAft>
+                <a:spcPct val="0"/>
+              </a:spcAft>
+              <a:buFont typeface="Arial" charset="0"/>
+              <a:buChar char="–"/>
+              <a:defRPr sz="2000" kern="1200">
+                <a:solidFill>
+                  <a:schemeClr val="tx1"/>
+                </a:solidFill>
+                <a:latin typeface="+mn-lt"/>
+                <a:ea typeface="ＭＳ Ｐゴシック" pitchFamily="-109" charset="-128"/>
+                <a:cs typeface="+mn-cs"/>
+              </a:defRPr>
+            </a:lvl4pPr>
+            <a:lvl5pPr marL="2057400" indent="-228600" algn="l" defTabSz="457200" rtl="0" eaLnBrk="0" fontAlgn="base" hangingPunct="0">
+              <a:spcBef>
+                <a:spcPct val="20000"/>
+              </a:spcBef>
+              <a:spcAft>
+                <a:spcPct val="0"/>
+              </a:spcAft>
+              <a:buFont typeface="Arial" charset="0"/>
+              <a:buChar char="»"/>
+              <a:defRPr sz="2000" kern="1200">
+                <a:solidFill>
+                  <a:schemeClr val="tx1"/>
+                </a:solidFill>
+                <a:latin typeface="+mn-lt"/>
+                <a:ea typeface="ＭＳ Ｐゴシック" pitchFamily="-109" charset="-128"/>
+                <a:cs typeface="+mn-cs"/>
+              </a:defRPr>
+            </a:lvl5pPr>
+            <a:lvl6pPr marL="2514600" indent="-228600" algn="l" defTabSz="457200" rtl="0" eaLnBrk="1" latinLnBrk="0" hangingPunct="1">
+              <a:spcBef>
+                <a:spcPct val="20000"/>
+              </a:spcBef>
+              <a:buFont typeface="Arial"/>
+              <a:buChar char="•"/>
+              <a:defRPr sz="2000" kern="1200">
+                <a:solidFill>
+                  <a:schemeClr val="tx1"/>
+                </a:solidFill>
+                <a:latin typeface="+mn-lt"/>
+                <a:ea typeface="+mn-ea"/>
+                <a:cs typeface="+mn-cs"/>
+              </a:defRPr>
+            </a:lvl6pPr>
+            <a:lvl7pPr marL="2971800" indent="-228600" algn="l" defTabSz="457200" rtl="0" eaLnBrk="1" latinLnBrk="0" hangingPunct="1">
+              <a:spcBef>
+                <a:spcPct val="20000"/>
+              </a:spcBef>
+              <a:buFont typeface="Arial"/>
+              <a:buChar char="•"/>
+              <a:defRPr sz="2000" kern="1200">
+                <a:solidFill>
+                  <a:schemeClr val="tx1"/>
+                </a:solidFill>
+                <a:latin typeface="+mn-lt"/>
+                <a:ea typeface="+mn-ea"/>
+                <a:cs typeface="+mn-cs"/>
+              </a:defRPr>
+            </a:lvl7pPr>
+            <a:lvl8pPr marL="3429000" indent="-228600" algn="l" defTabSz="457200" rtl="0" eaLnBrk="1" latinLnBrk="0" hangingPunct="1">
+              <a:spcBef>
+                <a:spcPct val="20000"/>
+              </a:spcBef>
+              <a:buFont typeface="Arial"/>
+              <a:buChar char="•"/>
+              <a:defRPr sz="2000" kern="1200">
+                <a:solidFill>
+                  <a:schemeClr val="tx1"/>
+                </a:solidFill>
+                <a:latin typeface="+mn-lt"/>
+                <a:ea typeface="+mn-ea"/>
+                <a:cs typeface="+mn-cs"/>
+              </a:defRPr>
+            </a:lvl8pPr>
+            <a:lvl9pPr marL="3886200" indent="-228600" algn="l" defTabSz="457200" rtl="0" eaLnBrk="1" latinLnBrk="0" hangingPunct="1">
+              <a:spcBef>
+                <a:spcPct val="20000"/>
+              </a:spcBef>
+              <a:buFont typeface="Arial"/>
+              <a:buChar char="•"/>
+              <a:defRPr sz="2000" kern="1200">
+                <a:solidFill>
+                  <a:schemeClr val="tx1"/>
+                </a:solidFill>
+                <a:latin typeface="+mn-lt"/>
+                <a:ea typeface="+mn-ea"/>
+                <a:cs typeface="+mn-cs"/>
+              </a:defRPr>
+            </a:lvl9pPr>
+          </a:lstStyle>
+          <a:p>
+            <a:pPr indent="-228600" defTabSz="914400" eaLnBrk="1" hangingPunct="1">
+              <a:lnSpc>
+                <a:spcPct val="90000"/>
+              </a:lnSpc>
+              <a:buFont typeface="Arial" panose="020B0604020202020204" pitchFamily="34" charset="0"/>
+              <a:buChar char="•"/>
+            </a:pPr>
+            <a:r>
+              <a:rPr lang="en-US" sz="2400" dirty="0">
+                <a:solidFill>
+                  <a:srgbClr val="404040"/>
+                </a:solidFill>
+                <a:ea typeface="+mn-ea"/>
+                <a:cs typeface="+mn-cs"/>
+              </a:rPr>
+              <a:t>Develop Skills that Turn into $$$</a:t>
+            </a:r>
+          </a:p>
+          <a:p>
+            <a:pPr lvl="1" indent="-228600" defTabSz="914400" eaLnBrk="1" hangingPunct="1">
+              <a:lnSpc>
+                <a:spcPct val="90000"/>
+              </a:lnSpc>
+              <a:buFont typeface="Arial" panose="020B0604020202020204" pitchFamily="34" charset="0"/>
+              <a:buChar char="•"/>
+            </a:pPr>
+            <a:r>
+              <a:rPr lang="en-US" sz="2400" dirty="0">
+                <a:solidFill>
+                  <a:srgbClr val="404040"/>
+                </a:solidFill>
+                <a:ea typeface="+mn-ea"/>
+              </a:rPr>
+              <a:t>Computer Programming</a:t>
+            </a:r>
+          </a:p>
+          <a:p>
+            <a:pPr lvl="1" indent="-228600" defTabSz="914400" eaLnBrk="1" hangingPunct="1">
+              <a:lnSpc>
+                <a:spcPct val="90000"/>
+              </a:lnSpc>
+              <a:buFont typeface="Arial" panose="020B0604020202020204" pitchFamily="34" charset="0"/>
+              <a:buChar char="•"/>
+            </a:pPr>
+            <a:r>
+              <a:rPr lang="en-US" sz="2400" dirty="0">
+                <a:solidFill>
+                  <a:srgbClr val="404040"/>
+                </a:solidFill>
+                <a:ea typeface="+mn-ea"/>
+                <a:cs typeface="+mn-cs"/>
+              </a:rPr>
+              <a:t>Statistical Analyses</a:t>
+            </a:r>
+          </a:p>
+          <a:p>
+            <a:pPr lvl="1" indent="-228600" defTabSz="914400" eaLnBrk="1" hangingPunct="1">
+              <a:lnSpc>
+                <a:spcPct val="90000"/>
+              </a:lnSpc>
+              <a:buFont typeface="Arial" panose="020B0604020202020204" pitchFamily="34" charset="0"/>
+              <a:buChar char="•"/>
+            </a:pPr>
+            <a:r>
+              <a:rPr lang="en-US" sz="2400" dirty="0">
+                <a:solidFill>
+                  <a:srgbClr val="404040"/>
+                </a:solidFill>
+                <a:ea typeface="+mn-ea"/>
+                <a:cs typeface="+mn-cs"/>
+              </a:rPr>
+              <a:t>Written and Verbal Communication Skills</a:t>
+            </a:r>
+          </a:p>
+          <a:p>
+            <a:pPr lvl="1" indent="-228600" defTabSz="914400" eaLnBrk="1" hangingPunct="1">
+              <a:lnSpc>
+                <a:spcPct val="90000"/>
+              </a:lnSpc>
+              <a:buFont typeface="Arial" panose="020B0604020202020204" pitchFamily="34" charset="0"/>
+              <a:buChar char="•"/>
+            </a:pPr>
+            <a:r>
+              <a:rPr lang="en-US" sz="2400" dirty="0">
+                <a:solidFill>
+                  <a:srgbClr val="404040"/>
+                </a:solidFill>
+                <a:ea typeface="+mn-ea"/>
+              </a:rPr>
+              <a:t>Creativity and Innovation</a:t>
+            </a:r>
+            <a:endParaRPr lang="en-US" sz="2400" dirty="0">
+              <a:solidFill>
+                <a:srgbClr val="404040"/>
+              </a:solidFill>
+              <a:ea typeface="+mn-ea"/>
+              <a:cs typeface="+mn-cs"/>
+            </a:endParaRPr>
+          </a:p>
+        </p:txBody>
+      </p:sp>
+    </p:spTree>
+    <p:custDataLst>
+      <p:tags r:id="rId1"/>
+    </p:custDataLst>
+    <p:extLst>
+      <p:ext uri="{BB962C8B-B14F-4D97-AF65-F5344CB8AC3E}">
+        <p14:creationId xmlns:p14="http://schemas.microsoft.com/office/powerpoint/2010/main" val="3186028904"/>
       </p:ext>
     </p:extLst>
   </p:cSld>
@@ -12522,7 +12093,7 @@
                 <a:ea typeface="+mj-ea"/>
                 <a:cs typeface="+mj-cs"/>
               </a:rPr>
-              <a:t>What will </a:t>
+              <a:t>What Should I Do</a:t>
             </a:r>
             <a:r>
               <a:rPr lang="en-US" sz="2400" dirty="0">
@@ -12532,7 +12103,7 @@
                 <a:ea typeface="+mj-ea"/>
                 <a:cs typeface="+mj-cs"/>
               </a:rPr>
-              <a:t>We Do?</a:t>
+              <a:t>?</a:t>
             </a:r>
             <a:endParaRPr lang="en-US" sz="2400" kern="1200" dirty="0">
               <a:solidFill>
@@ -12807,8 +12378,8 @@
         </p:nvSpPr>
         <p:spPr bwMode="auto">
           <a:xfrm>
-            <a:off x="3962400" y="795866"/>
-            <a:ext cx="4851400" cy="5833533"/>
+            <a:off x="3962400" y="675484"/>
+            <a:ext cx="5181600" cy="5953916"/>
           </a:xfrm>
           <a:prstGeom prst="rect">
             <a:avLst/>
@@ -12988,8 +12559,113 @@
                 </a:solidFill>
                 <a:ea typeface="+mn-ea"/>
                 <a:cs typeface="+mn-cs"/>
+                <a:hlinkClick r:id="rId4"/>
               </a:rPr>
-              <a:t>Develop Skills that Turn into $$$</a:t>
+              <a:t>Install R on Your Laptop</a:t>
+            </a:r>
+            <a:endParaRPr lang="en-US" sz="2400" dirty="0">
+              <a:solidFill>
+                <a:srgbClr val="404040"/>
+              </a:solidFill>
+              <a:ea typeface="+mn-ea"/>
+              <a:cs typeface="+mn-cs"/>
+            </a:endParaRPr>
+          </a:p>
+          <a:p>
+            <a:pPr marL="514350" lvl="1" indent="0" defTabSz="914400" eaLnBrk="1" hangingPunct="1">
+              <a:lnSpc>
+                <a:spcPct val="90000"/>
+              </a:lnSpc>
+              <a:buNone/>
+            </a:pPr>
+            <a:endParaRPr lang="en-US" sz="2400" dirty="0">
+              <a:solidFill>
+                <a:srgbClr val="404040"/>
+              </a:solidFill>
+              <a:ea typeface="+mn-ea"/>
+              <a:cs typeface="+mn-cs"/>
+            </a:endParaRPr>
+          </a:p>
+          <a:p>
+            <a:pPr indent="-228600" defTabSz="914400" eaLnBrk="1" hangingPunct="1">
+              <a:lnSpc>
+                <a:spcPct val="90000"/>
+              </a:lnSpc>
+              <a:buFont typeface="Arial" panose="020B0604020202020204" pitchFamily="34" charset="0"/>
+              <a:buChar char="•"/>
+            </a:pPr>
+            <a:r>
+              <a:rPr lang="en-US" sz="2400" dirty="0">
+                <a:solidFill>
+                  <a:srgbClr val="404040"/>
+                </a:solidFill>
+                <a:ea typeface="+mn-ea"/>
+                <a:cs typeface="+mn-cs"/>
+                <a:hlinkClick r:id="rId5"/>
+              </a:rPr>
+              <a:t>Install </a:t>
+            </a:r>
+            <a:r>
+              <a:rPr lang="en-US" sz="2400" dirty="0" err="1">
+                <a:solidFill>
+                  <a:srgbClr val="404040"/>
+                </a:solidFill>
+                <a:ea typeface="+mn-ea"/>
+                <a:cs typeface="+mn-cs"/>
+                <a:hlinkClick r:id="rId5"/>
+              </a:rPr>
+              <a:t>Rstudio</a:t>
+            </a:r>
+            <a:r>
+              <a:rPr lang="en-US" sz="2400" dirty="0">
+                <a:solidFill>
+                  <a:srgbClr val="404040"/>
+                </a:solidFill>
+                <a:ea typeface="+mn-ea"/>
+                <a:cs typeface="+mn-cs"/>
+                <a:hlinkClick r:id="rId5"/>
+              </a:rPr>
+              <a:t> on Your Laptop</a:t>
+            </a:r>
+            <a:endParaRPr lang="en-US" sz="2400" dirty="0">
+              <a:solidFill>
+                <a:srgbClr val="404040"/>
+              </a:solidFill>
+              <a:ea typeface="+mn-ea"/>
+              <a:cs typeface="+mn-cs"/>
+            </a:endParaRPr>
+          </a:p>
+          <a:p>
+            <a:pPr marL="514350" lvl="1" indent="0" defTabSz="914400" eaLnBrk="1" hangingPunct="1">
+              <a:lnSpc>
+                <a:spcPct val="90000"/>
+              </a:lnSpc>
+              <a:buNone/>
+            </a:pPr>
+            <a:endParaRPr lang="en-US" sz="2400" dirty="0">
+              <a:solidFill>
+                <a:srgbClr val="404040"/>
+              </a:solidFill>
+              <a:ea typeface="+mn-ea"/>
+            </a:endParaRPr>
+          </a:p>
+          <a:p>
+            <a:pPr indent="-228600" defTabSz="914400" eaLnBrk="1" hangingPunct="1">
+              <a:lnSpc>
+                <a:spcPct val="90000"/>
+              </a:lnSpc>
+              <a:buFont typeface="Arial" panose="020B0604020202020204" pitchFamily="34" charset="0"/>
+              <a:buChar char="•"/>
+            </a:pPr>
+            <a:r>
+              <a:rPr lang="en-US" sz="2400" dirty="0">
+                <a:solidFill>
+                  <a:srgbClr val="404040"/>
+                </a:solidFill>
+                <a:ea typeface="+mn-ea"/>
+                <a:cs typeface="+mn-cs"/>
+              </a:rPr>
+              <a:t> Download the Textbooks</a:t>
             </a:r>
           </a:p>
           <a:p>
@@ -13006,9 +12682,18 @@
                   <a:srgbClr val="404040"/>
                 </a:solidFill>
                 <a:ea typeface="+mn-ea"/>
+                <a:cs typeface="+mn-cs"/>
+                <a:hlinkClick r:id="rId6"/>
               </a:rPr>
-              <a:t>Computer Programming</a:t>
-            </a:r>
+              <a:t>R4DS</a:t>
+            </a:r>
+            <a:endParaRPr lang="en-US" sz="2400" dirty="0">
+              <a:solidFill>
+                <a:srgbClr val="404040"/>
+              </a:solidFill>
+              <a:ea typeface="+mn-ea"/>
+              <a:cs typeface="+mn-cs"/>
+            </a:endParaRPr>
           </a:p>
           <a:p>
             <a:pPr lvl="1" indent="-228600" defTabSz="914400" eaLnBrk="1" hangingPunct="1">
@@ -13024,10 +12709,16 @@
                   <a:srgbClr val="404040"/>
                 </a:solidFill>
                 <a:ea typeface="+mn-ea"/>
-                <a:cs typeface="+mn-cs"/>
+                <a:hlinkClick r:id="rId7"/>
               </a:rPr>
-              <a:t>Statistical Analyses</a:t>
-            </a:r>
+              <a:t>RP4DS</a:t>
+            </a:r>
+            <a:endParaRPr lang="en-US" sz="2400" dirty="0">
+              <a:solidFill>
+                <a:srgbClr val="404040"/>
+              </a:solidFill>
+              <a:ea typeface="+mn-ea"/>
+            </a:endParaRPr>
           </a:p>
           <a:p>
             <a:pPr lvl="1" indent="-228600" defTabSz="914400" eaLnBrk="1" hangingPunct="1">
@@ -13043,27 +12734,9 @@
                   <a:srgbClr val="404040"/>
                 </a:solidFill>
                 <a:ea typeface="+mn-ea"/>
-                <a:cs typeface="+mn-cs"/>
+                <a:hlinkClick r:id="rId8"/>
               </a:rPr>
-              <a:t>Written and Verbal Communication Skills</a:t>
-            </a:r>
-          </a:p>
-          <a:p>
-            <a:pPr lvl="1" indent="-228600" defTabSz="914400" eaLnBrk="1" hangingPunct="1">
-              <a:lnSpc>
-                <a:spcPct val="90000"/>
-              </a:lnSpc>
-              <a:buFont typeface="Arial" panose="020B0604020202020204" pitchFamily="34" charset="0"/>
-              <a:buChar char="•"/>
-            </a:pPr>
-            <a:r>
-              <a:rPr lang="en-US" sz="2400" dirty="0">
-                <a:solidFill>
-                  <a:srgbClr val="404040"/>
-                </a:solidFill>
-                <a:ea typeface="+mn-ea"/>
-              </a:rPr>
-              <a:t>Creativity and Innovation</a:t>
+              <a:t>AoRP</a:t>
             </a:r>
             <a:endParaRPr lang="en-US" sz="2400" dirty="0">
               <a:solidFill>
@@ -13073,6 +12746,91 @@
               <a:cs typeface="+mn-cs"/>
             </a:endParaRPr>
           </a:p>
+          <a:p>
+            <a:pPr marL="514350" lvl="1" indent="0" defTabSz="914400" eaLnBrk="1" hangingPunct="1">
+              <a:lnSpc>
+                <a:spcPct val="90000"/>
+              </a:lnSpc>
+              <a:buNone/>
+            </a:pPr>
+            <a:endParaRPr lang="en-US" sz="2400" dirty="0">
+              <a:solidFill>
+                <a:srgbClr val="404040"/>
+              </a:solidFill>
+              <a:ea typeface="+mn-ea"/>
+              <a:cs typeface="+mn-cs"/>
+            </a:endParaRPr>
+          </a:p>
+          <a:p>
+            <a:pPr indent="-228600" defTabSz="914400" eaLnBrk="1" hangingPunct="1">
+              <a:lnSpc>
+                <a:spcPct val="90000"/>
+              </a:lnSpc>
+              <a:buFont typeface="Arial" panose="020B0604020202020204" pitchFamily="34" charset="0"/>
+              <a:buChar char="•"/>
+            </a:pPr>
+            <a:r>
+              <a:rPr lang="en-US" sz="2400" dirty="0">
+                <a:solidFill>
+                  <a:srgbClr val="404040"/>
+                </a:solidFill>
+                <a:ea typeface="+mn-ea"/>
+                <a:cs typeface="+mn-cs"/>
+              </a:rPr>
+              <a:t>Read the Introduction to R4DS</a:t>
+            </a:r>
+          </a:p>
+          <a:p>
+            <a:pPr indent="-228600" defTabSz="914400" eaLnBrk="1" hangingPunct="1">
+              <a:lnSpc>
+                <a:spcPct val="90000"/>
+              </a:lnSpc>
+              <a:buFont typeface="Arial" panose="020B0604020202020204" pitchFamily="34" charset="0"/>
+              <a:buChar char="•"/>
+            </a:pPr>
+            <a:endParaRPr lang="en-US" sz="2400" dirty="0">
+              <a:solidFill>
+                <a:srgbClr val="404040"/>
+              </a:solidFill>
+              <a:ea typeface="+mn-ea"/>
+              <a:cs typeface="+mn-cs"/>
+            </a:endParaRPr>
+          </a:p>
+          <a:p>
+            <a:pPr indent="-228600" defTabSz="914400" eaLnBrk="1" hangingPunct="1">
+              <a:lnSpc>
+                <a:spcPct val="90000"/>
+              </a:lnSpc>
+              <a:buFont typeface="Arial" panose="020B0604020202020204" pitchFamily="34" charset="0"/>
+              <a:buChar char="•"/>
+            </a:pPr>
+            <a:r>
+              <a:rPr lang="en-US" sz="2400" dirty="0">
+                <a:solidFill>
+                  <a:srgbClr val="404040"/>
+                </a:solidFill>
+                <a:ea typeface="+mn-ea"/>
+                <a:cs typeface="+mn-cs"/>
+              </a:rPr>
+              <a:t>Practice Programming with R for 10 minutes a day in RP4DS or </a:t>
+            </a:r>
+            <a:r>
+              <a:rPr lang="en-US" sz="2400" dirty="0" err="1">
+                <a:solidFill>
+                  <a:srgbClr val="404040"/>
+                </a:solidFill>
+                <a:ea typeface="+mn-ea"/>
+              </a:rPr>
+              <a:t>AoRP</a:t>
+            </a:r>
+            <a:endParaRPr lang="en-US" sz="2000" dirty="0">
+              <a:solidFill>
+                <a:srgbClr val="404040"/>
+              </a:solidFill>
+              <a:ea typeface="+mn-ea"/>
+              <a:cs typeface="+mn-cs"/>
+            </a:endParaRPr>
+          </a:p>
         </p:txBody>
       </p:sp>
     </p:spTree>
@@ -13081,7 +12839,7 @@
     </p:custDataLst>
     <p:extLst>
       <p:ext uri="{BB962C8B-B14F-4D97-AF65-F5344CB8AC3E}">
-        <p14:creationId xmlns:p14="http://schemas.microsoft.com/office/powerpoint/2010/main" val="3186028904"/>
+        <p14:creationId xmlns:p14="http://schemas.microsoft.com/office/powerpoint/2010/main" val="2640508465"/>
       </p:ext>
     </p:extLst>
   </p:cSld>
@@ -13510,7 +13268,7 @@
         <p:spPr bwMode="auto">
           <a:xfrm>
             <a:off x="3962400" y="675484"/>
-            <a:ext cx="5181600" cy="5953916"/>
+            <a:ext cx="5105400" cy="5953916"/>
           </a:xfrm>
           <a:prstGeom prst="rect">
             <a:avLst/>
@@ -13690,26 +13448,268 @@
                 </a:solidFill>
                 <a:ea typeface="+mn-ea"/>
                 <a:cs typeface="+mn-cs"/>
+              </a:rPr>
+              <a:t>Run Your First </a:t>
+            </a:r>
+            <a:r>
+              <a:rPr lang="en-US" sz="2400" dirty="0" err="1">
+                <a:solidFill>
+                  <a:srgbClr val="404040"/>
+                </a:solidFill>
+                <a:ea typeface="+mn-ea"/>
+                <a:cs typeface="+mn-cs"/>
+              </a:rPr>
+              <a:t>RMarkdown</a:t>
+            </a:r>
+            <a:r>
+              <a:rPr lang="en-US" sz="2400" dirty="0">
+                <a:solidFill>
+                  <a:srgbClr val="404040"/>
+                </a:solidFill>
+                <a:ea typeface="+mn-ea"/>
+                <a:cs typeface="+mn-cs"/>
+              </a:rPr>
+              <a:t> File</a:t>
+            </a:r>
+          </a:p>
+          <a:p>
+            <a:pPr lvl="1" indent="-228600" defTabSz="914400" eaLnBrk="1" hangingPunct="1">
+              <a:lnSpc>
+                <a:spcPct val="90000"/>
+              </a:lnSpc>
+              <a:buFont typeface="Arial" panose="020B0604020202020204" pitchFamily="34" charset="0"/>
+              <a:buChar char="•"/>
+            </a:pPr>
+            <a:r>
+              <a:rPr lang="en-US" sz="2400" dirty="0">
+                <a:solidFill>
+                  <a:srgbClr val="404040"/>
+                </a:solidFill>
+                <a:ea typeface="+mn-ea"/>
                 <a:hlinkClick r:id="rId4"/>
               </a:rPr>
-              <a:t>Install R on Your Laptop</a:t>
+              <a:t>Video of </a:t>
+            </a:r>
+            <a:r>
+              <a:rPr lang="en-US" sz="2400" dirty="0" err="1">
+                <a:solidFill>
+                  <a:srgbClr val="404040"/>
+                </a:solidFill>
+                <a:ea typeface="+mn-ea"/>
+                <a:hlinkClick r:id="rId4"/>
+              </a:rPr>
+              <a:t>Rmarkdown</a:t>
             </a:r>
             <a:endParaRPr lang="en-US" sz="2400" dirty="0">
               <a:solidFill>
                 <a:srgbClr val="404040"/>
               </a:solidFill>
               <a:ea typeface="+mn-ea"/>
-              <a:cs typeface="+mn-cs"/>
             </a:endParaRPr>
           </a:p>
           <a:p>
-            <a:pPr marL="514350" lvl="1" indent="0" defTabSz="914400" eaLnBrk="1" hangingPunct="1">
+            <a:pPr lvl="1" indent="-228600" defTabSz="914400" eaLnBrk="1" hangingPunct="1">
               <a:lnSpc>
                 <a:spcPct val="90000"/>
               </a:lnSpc>
-              <a:buNone/>
+              <a:buFont typeface="Arial" panose="020B0604020202020204" pitchFamily="34" charset="0"/>
+              <a:buChar char="•"/>
             </a:pPr>
+            <a:r>
+              <a:rPr lang="en-US" sz="2400" dirty="0">
+                <a:solidFill>
+                  <a:srgbClr val="404040"/>
+                </a:solidFill>
+                <a:ea typeface="+mn-ea"/>
+              </a:rPr>
+              <a:t>First Assignment: </a:t>
+            </a:r>
+            <a:r>
+              <a:rPr lang="en-US" sz="2400" dirty="0">
+                <a:solidFill>
+                  <a:srgbClr val="404040"/>
+                </a:solidFill>
+                <a:ea typeface="+mn-ea"/>
+                <a:hlinkClick r:id="rId5"/>
+              </a:rPr>
+              <a:t>Lab 1</a:t>
+            </a:r>
             <a:endParaRPr lang="en-US" sz="2400" dirty="0">
+              <a:solidFill>
+                <a:srgbClr val="404040"/>
+              </a:solidFill>
+              <a:ea typeface="+mn-ea"/>
+            </a:endParaRPr>
+          </a:p>
+          <a:p>
+            <a:pPr lvl="1" indent="-228600" defTabSz="914400" eaLnBrk="1" hangingPunct="1">
+              <a:lnSpc>
+                <a:spcPct val="90000"/>
+              </a:lnSpc>
+              <a:buFont typeface="Arial" panose="020B0604020202020204" pitchFamily="34" charset="0"/>
+              <a:buChar char="•"/>
+            </a:pPr>
+            <a:r>
+              <a:rPr lang="en-US" sz="2400" dirty="0">
+                <a:solidFill>
+                  <a:srgbClr val="404040"/>
+                </a:solidFill>
+                <a:ea typeface="+mn-ea"/>
+              </a:rPr>
+              <a:t>Steps:</a:t>
+            </a:r>
+          </a:p>
+          <a:p>
+            <a:pPr lvl="2" defTabSz="914400" eaLnBrk="1" hangingPunct="1">
+              <a:lnSpc>
+                <a:spcPct val="90000"/>
+              </a:lnSpc>
+              <a:buFont typeface="Arial" panose="020B0604020202020204" pitchFamily="34" charset="0"/>
+              <a:buChar char="•"/>
+            </a:pPr>
+            <a:r>
+              <a:rPr lang="en-US" dirty="0">
+                <a:solidFill>
+                  <a:srgbClr val="404040"/>
+                </a:solidFill>
+                <a:ea typeface="+mn-ea"/>
+                <a:cs typeface="+mn-cs"/>
+              </a:rPr>
+              <a:t>W</a:t>
+            </a:r>
+            <a:r>
+              <a:rPr lang="en-US" dirty="0">
+                <a:solidFill>
+                  <a:srgbClr val="404040"/>
+                </a:solidFill>
+                <a:ea typeface="+mn-ea"/>
+              </a:rPr>
+              <a:t>atch Video and Read About </a:t>
+            </a:r>
+            <a:r>
+              <a:rPr lang="en-US" dirty="0" err="1">
+                <a:solidFill>
+                  <a:srgbClr val="404040"/>
+                </a:solidFill>
+                <a:ea typeface="+mn-ea"/>
+              </a:rPr>
+              <a:t>Rmarkdown</a:t>
+            </a:r>
+            <a:endParaRPr lang="en-US" dirty="0">
+              <a:solidFill>
+                <a:srgbClr val="404040"/>
+              </a:solidFill>
+              <a:ea typeface="+mn-ea"/>
+            </a:endParaRPr>
+          </a:p>
+          <a:p>
+            <a:pPr lvl="2" defTabSz="914400" eaLnBrk="1" hangingPunct="1">
+              <a:lnSpc>
+                <a:spcPct val="90000"/>
+              </a:lnSpc>
+              <a:buFont typeface="Arial" panose="020B0604020202020204" pitchFamily="34" charset="0"/>
+              <a:buChar char="•"/>
+            </a:pPr>
+            <a:r>
+              <a:rPr lang="en-US" dirty="0">
+                <a:solidFill>
+                  <a:srgbClr val="404040"/>
+                </a:solidFill>
+                <a:ea typeface="+mn-ea"/>
+                <a:cs typeface="+mn-cs"/>
+              </a:rPr>
+              <a:t>Open </a:t>
+            </a:r>
+            <a:r>
+              <a:rPr lang="en-US" dirty="0">
+                <a:solidFill>
+                  <a:srgbClr val="404040"/>
+                </a:solidFill>
+                <a:ea typeface="+mn-ea"/>
+              </a:rPr>
+              <a:t>Lab 1 </a:t>
+            </a:r>
+            <a:r>
+              <a:rPr lang="en-US" dirty="0" err="1">
+                <a:solidFill>
+                  <a:srgbClr val="404040"/>
+                </a:solidFill>
+                <a:ea typeface="+mn-ea"/>
+              </a:rPr>
+              <a:t>Rmd</a:t>
+            </a:r>
+            <a:r>
+              <a:rPr lang="en-US" dirty="0">
+                <a:solidFill>
+                  <a:srgbClr val="404040"/>
+                </a:solidFill>
+                <a:ea typeface="+mn-ea"/>
+              </a:rPr>
+              <a:t> File in R</a:t>
+            </a:r>
+          </a:p>
+          <a:p>
+            <a:pPr lvl="2" defTabSz="914400" eaLnBrk="1" hangingPunct="1">
+              <a:lnSpc>
+                <a:spcPct val="90000"/>
+              </a:lnSpc>
+              <a:buFont typeface="Arial" panose="020B0604020202020204" pitchFamily="34" charset="0"/>
+              <a:buChar char="•"/>
+            </a:pPr>
+            <a:r>
+              <a:rPr lang="en-US" dirty="0">
+                <a:solidFill>
+                  <a:srgbClr val="404040"/>
+                </a:solidFill>
+                <a:ea typeface="+mn-ea"/>
+                <a:cs typeface="+mn-cs"/>
+              </a:rPr>
+              <a:t>Attempt to Knit the </a:t>
+            </a:r>
+            <a:r>
+              <a:rPr lang="en-US">
+                <a:solidFill>
+                  <a:srgbClr val="404040"/>
+                </a:solidFill>
+                <a:ea typeface="+mn-ea"/>
+              </a:rPr>
+              <a:t>File to an HTML File and View</a:t>
+            </a:r>
+            <a:endParaRPr lang="en-US" dirty="0">
+              <a:solidFill>
+                <a:srgbClr val="404040"/>
+              </a:solidFill>
+              <a:ea typeface="+mn-ea"/>
+            </a:endParaRPr>
+          </a:p>
+          <a:p>
+            <a:pPr lvl="2" defTabSz="914400" eaLnBrk="1" hangingPunct="1">
+              <a:lnSpc>
+                <a:spcPct val="90000"/>
+              </a:lnSpc>
+              <a:buFont typeface="Arial" panose="020B0604020202020204" pitchFamily="34" charset="0"/>
+              <a:buChar char="•"/>
+            </a:pPr>
+            <a:r>
+              <a:rPr lang="en-US" dirty="0">
+                <a:solidFill>
+                  <a:srgbClr val="404040"/>
+                </a:solidFill>
+                <a:ea typeface="+mn-ea"/>
+                <a:cs typeface="+mn-cs"/>
+              </a:rPr>
+              <a:t>Read Book and Finish </a:t>
+            </a:r>
+            <a:r>
+              <a:rPr lang="en-US" dirty="0">
+                <a:solidFill>
+                  <a:srgbClr val="404040"/>
+                </a:solidFill>
+                <a:ea typeface="+mn-ea"/>
+              </a:rPr>
+              <a:t>Lab 1</a:t>
+            </a:r>
+            <a:endParaRPr lang="en-US" dirty="0">
               <a:solidFill>
                 <a:srgbClr val="404040"/>
               </a:solidFill>
@@ -13725,59 +13725,12 @@
               <a:buFont typeface="Arial" panose="020B0604020202020204" pitchFamily="34" charset="0"/>
               <a:buChar char="•"/>
             </a:pPr>
-            <a:r>
-              <a:rPr lang="en-US" sz="2400" dirty="0">
-                <a:solidFill>
-                  <a:srgbClr val="404040"/>
-                </a:solidFill>
-                <a:ea typeface="+mn-ea"/>
-                <a:cs typeface="+mn-cs"/>
-                <a:hlinkClick r:id="rId5"/>
-              </a:rPr>
-              <a:t>Install </a:t>
-            </a:r>
-            <a:r>
-              <a:rPr lang="en-US" sz="2400" dirty="0" err="1">
-                <a:solidFill>
-                  <a:srgbClr val="404040"/>
-                </a:solidFill>
-                <a:ea typeface="+mn-ea"/>
-                <a:cs typeface="+mn-cs"/>
-                <a:hlinkClick r:id="rId5"/>
-              </a:rPr>
-              <a:t>Rstudio</a:t>
-            </a:r>
-            <a:r>
-              <a:rPr lang="en-US" sz="2400" dirty="0">
-                <a:solidFill>
-                  <a:srgbClr val="404040"/>
-                </a:solidFill>
-                <a:ea typeface="+mn-ea"/>
-                <a:cs typeface="+mn-cs"/>
-                <a:hlinkClick r:id="rId5"/>
-              </a:rPr>
-              <a:t> on Your Laptop</a:t>
-            </a:r>
-            <a:endParaRPr lang="en-US" sz="2400" dirty="0">
+            <a:endParaRPr lang="en-US" sz="2000" dirty="0">
               <a:solidFill>
                 <a:srgbClr val="404040"/>
               </a:solidFill>
               <a:ea typeface="+mn-ea"/>
               <a:cs typeface="+mn-cs"/>
-            </a:endParaRPr>
-          </a:p>
-          <a:p>
-            <a:pPr marL="514350" lvl="1" indent="0" defTabSz="914400" eaLnBrk="1" hangingPunct="1">
-              <a:lnSpc>
-                <a:spcPct val="90000"/>
-              </a:lnSpc>
-              <a:buNone/>
-            </a:pPr>
-            <a:endParaRPr lang="en-US" sz="2400" dirty="0">
-              <a:solidFill>
-                <a:srgbClr val="404040"/>
-              </a:solidFill>
-              <a:ea typeface="+mn-ea"/>
             </a:endParaRPr>
           </a:p>
           <a:p>
@@ -13788,103 +13741,7 @@
               <a:buFont typeface="Arial" panose="020B0604020202020204" pitchFamily="34" charset="0"/>
               <a:buChar char="•"/>
             </a:pPr>
-            <a:r>
-              <a:rPr lang="en-US" sz="2400" dirty="0">
-                <a:solidFill>
-                  <a:srgbClr val="404040"/>
-                </a:solidFill>
-                <a:ea typeface="+mn-ea"/>
-                <a:cs typeface="+mn-cs"/>
-              </a:rPr>
-              <a:t> Download the Textbooks</a:t>
-            </a:r>
-          </a:p>
-          <a:p>
-            <a:pPr lvl="1" indent="-228600" defTabSz="914400" eaLnBrk="1" hangingPunct="1">
-              <a:lnSpc>
-                <a:spcPct val="90000"/>
-              </a:lnSpc>
-              <a:buFont typeface="Arial" panose="020B0604020202020204" pitchFamily="34" charset="0"/>
-              <a:buChar char="•"/>
-            </a:pPr>
-            <a:r>
-              <a:rPr lang="en-US" sz="2400" dirty="0">
-                <a:solidFill>
-                  <a:srgbClr val="404040"/>
-                </a:solidFill>
-                <a:ea typeface="+mn-ea"/>
-                <a:cs typeface="+mn-cs"/>
-                <a:hlinkClick r:id="rId6"/>
-              </a:rPr>
-              <a:t>R4DS</a:t>
-            </a:r>
-            <a:endParaRPr lang="en-US" sz="2400" dirty="0">
-              <a:solidFill>
-                <a:srgbClr val="404040"/>
-              </a:solidFill>
-              <a:ea typeface="+mn-ea"/>
-              <a:cs typeface="+mn-cs"/>
-            </a:endParaRPr>
-          </a:p>
-          <a:p>
-            <a:pPr lvl="1" indent="-228600" defTabSz="914400" eaLnBrk="1" hangingPunct="1">
-              <a:lnSpc>
-                <a:spcPct val="90000"/>
-              </a:lnSpc>
-              <a:buFont typeface="Arial" panose="020B0604020202020204" pitchFamily="34" charset="0"/>
-              <a:buChar char="•"/>
-            </a:pPr>
-            <a:r>
-              <a:rPr lang="en-US" sz="2400" dirty="0">
-                <a:solidFill>
-                  <a:srgbClr val="404040"/>
-                </a:solidFill>
-                <a:ea typeface="+mn-ea"/>
-                <a:hlinkClick r:id="rId7"/>
-              </a:rPr>
-              <a:t>RP4DS</a:t>
-            </a:r>
-            <a:endParaRPr lang="en-US" sz="2400" dirty="0">
-              <a:solidFill>
-                <a:srgbClr val="404040"/>
-              </a:solidFill>
-              <a:ea typeface="+mn-ea"/>
-            </a:endParaRPr>
-          </a:p>
-          <a:p>
-            <a:pPr lvl="1" indent="-228600" defTabSz="914400" eaLnBrk="1" hangingPunct="1">
-              <a:lnSpc>
-                <a:spcPct val="90000"/>
-              </a:lnSpc>
-              <a:buFont typeface="Arial" panose="020B0604020202020204" pitchFamily="34" charset="0"/>
-              <a:buChar char="•"/>
-            </a:pPr>
-            <a:r>
-              <a:rPr lang="en-US" sz="2400" dirty="0">
-                <a:solidFill>
-                  <a:srgbClr val="404040"/>
-                </a:solidFill>
-                <a:ea typeface="+mn-ea"/>
-                <a:hlinkClick r:id="rId8"/>
-              </a:rPr>
-              <a:t>AoRP</a:t>
-            </a:r>
-            <a:endParaRPr lang="en-US" sz="2400" dirty="0">
-              <a:solidFill>
-                <a:srgbClr val="404040"/>
-              </a:solidFill>
-              <a:ea typeface="+mn-ea"/>
-              <a:cs typeface="+mn-cs"/>
-            </a:endParaRPr>
-          </a:p>
-          <a:p>
-            <a:pPr marL="514350" lvl="1" indent="0" defTabSz="914400" eaLnBrk="1" hangingPunct="1">
-              <a:lnSpc>
-                <a:spcPct val="90000"/>
-              </a:lnSpc>
-              <a:buNone/>
-            </a:pPr>
-            <a:endParaRPr lang="en-US" sz="2400" dirty="0">
+            <a:endParaRPr lang="en-US" sz="1600" dirty="0">
               <a:solidFill>
                 <a:srgbClr val="404040"/>
               </a:solidFill>
@@ -13900,16 +13757,13 @@
               <a:buFont typeface="Arial" panose="020B0604020202020204" pitchFamily="34" charset="0"/>
               <a:buChar char="•"/>
             </a:pPr>
-            <a:r>
-              <a:rPr lang="en-US" sz="2400" dirty="0">
-                <a:solidFill>
-                  <a:srgbClr val="404040"/>
-                </a:solidFill>
-                <a:ea typeface="+mn-ea"/>
-                <a:cs typeface="+mn-cs"/>
-              </a:rPr>
-              <a:t>Read the Introduction to R4DS</a:t>
-            </a:r>
+            <a:endParaRPr lang="en-US" sz="2000" dirty="0">
+              <a:solidFill>
+                <a:srgbClr val="404040"/>
+              </a:solidFill>
+              <a:ea typeface="+mn-ea"/>
+              <a:cs typeface="+mn-cs"/>
+            </a:endParaRPr>
           </a:p>
           <a:p>
             <a:pPr indent="-228600" defTabSz="914400" eaLnBrk="1" hangingPunct="1">
@@ -13919,7 +13773,7 @@
               <a:buFont typeface="Arial" panose="020B0604020202020204" pitchFamily="34" charset="0"/>
               <a:buChar char="•"/>
             </a:pPr>
-            <a:endParaRPr lang="en-US" sz="2400" dirty="0">
+            <a:endParaRPr lang="en-US" sz="1600" dirty="0">
               <a:solidFill>
                 <a:srgbClr val="404040"/>
               </a:solidFill>
@@ -13935,25 +13789,6 @@
               <a:buFont typeface="Arial" panose="020B0604020202020204" pitchFamily="34" charset="0"/>
               <a:buChar char="•"/>
             </a:pPr>
-            <a:r>
-              <a:rPr lang="en-US" sz="2400" dirty="0">
-                <a:solidFill>
-                  <a:srgbClr val="404040"/>
-                </a:solidFill>
-                <a:ea typeface="+mn-ea"/>
-                <a:cs typeface="+mn-cs"/>
-              </a:rPr>
-              <a:t>Practice Programming with R for 10 minutes a day in RP4DS or </a:t>
-            </a:r>
-            <a:r>
-              <a:rPr lang="en-US" sz="2400" dirty="0" err="1">
-                <a:solidFill>
-                  <a:srgbClr val="404040"/>
-                </a:solidFill>
-                <a:ea typeface="+mn-ea"/>
-              </a:rPr>
-              <a:t>AoRP</a:t>
-            </a:r>
             <a:endParaRPr lang="en-US" sz="2000" dirty="0">
               <a:solidFill>
                 <a:srgbClr val="404040"/>
@@ -13970,7 +13805,7 @@
     </p:custDataLst>
     <p:extLst>
       <p:ext uri="{BB962C8B-B14F-4D97-AF65-F5344CB8AC3E}">
-        <p14:creationId xmlns:p14="http://schemas.microsoft.com/office/powerpoint/2010/main" val="2640508465"/>
+        <p14:creationId xmlns:p14="http://schemas.microsoft.com/office/powerpoint/2010/main" val="3644576"/>
       </p:ext>
     </p:extLst>
   </p:cSld>
@@ -14113,7 +13948,7 @@
                 <a:ea typeface="+mj-ea"/>
                 <a:cs typeface="+mj-cs"/>
               </a:rPr>
-              <a:t>What Should I Do</a:t>
+              <a:t>Closing</a:t>
             </a:r>
             <a:r>
               <a:rPr lang="en-US" sz="2400" dirty="0">
@@ -14398,8 +14233,8 @@
         </p:nvSpPr>
         <p:spPr bwMode="auto">
           <a:xfrm>
-            <a:off x="3962400" y="675484"/>
-            <a:ext cx="5105400" cy="5953916"/>
+            <a:off x="3973322" y="643466"/>
+            <a:ext cx="4851400" cy="5953916"/>
           </a:xfrm>
           <a:prstGeom prst="rect">
             <a:avLst/>
@@ -14565,6 +14400,24 @@
             </a:lvl9pPr>
           </a:lstStyle>
           <a:p>
+            <a:pPr marL="114300" indent="0" defTabSz="914400" eaLnBrk="1" hangingPunct="1">
+              <a:lnSpc>
+                <a:spcPct val="90000"/>
+              </a:lnSpc>
+              <a:buNone/>
+            </a:pPr>
+            <a:r>
+              <a:rPr lang="en-US" sz="7200" dirty="0">
+                <a:solidFill>
+                  <a:srgbClr val="404040"/>
+                </a:solidFill>
+                <a:ea typeface="+mn-ea"/>
+                <a:cs typeface="+mn-cs"/>
+              </a:rPr>
+              <a:t>Disperse and Make Reasonable Decisions</a:t>
+            </a:r>
+          </a:p>
+          <a:p>
             <a:pPr indent="-228600" defTabSz="914400" eaLnBrk="1" hangingPunct="1">
               <a:lnSpc>
                 <a:spcPct val="90000"/>
@@ -14572,275 +14425,7 @@
               <a:buFont typeface="Arial" panose="020B0604020202020204" pitchFamily="34" charset="0"/>
               <a:buChar char="•"/>
             </a:pPr>
-            <a:r>
-              <a:rPr lang="en-US" sz="2400" dirty="0">
-                <a:solidFill>
-                  <a:srgbClr val="404040"/>
-                </a:solidFill>
-                <a:ea typeface="+mn-ea"/>
-                <a:cs typeface="+mn-cs"/>
-              </a:rPr>
-              <a:t>Run Your First </a:t>
-            </a:r>
-            <a:r>
-              <a:rPr lang="en-US" sz="2400" dirty="0" err="1">
-                <a:solidFill>
-                  <a:srgbClr val="404040"/>
-                </a:solidFill>
-                <a:ea typeface="+mn-ea"/>
-                <a:cs typeface="+mn-cs"/>
-              </a:rPr>
-              <a:t>RMarkdown</a:t>
-            </a:r>
-            <a:r>
-              <a:rPr lang="en-US" sz="2400" dirty="0">
-                <a:solidFill>
-                  <a:srgbClr val="404040"/>
-                </a:solidFill>
-                <a:ea typeface="+mn-ea"/>
-                <a:cs typeface="+mn-cs"/>
-              </a:rPr>
-              <a:t> File</a:t>
-            </a:r>
-          </a:p>
-          <a:p>
-            <a:pPr lvl="1" indent="-228600" defTabSz="914400" eaLnBrk="1" hangingPunct="1">
-              <a:lnSpc>
-                <a:spcPct val="90000"/>
-              </a:lnSpc>
-              <a:buFont typeface="Arial" panose="020B0604020202020204" pitchFamily="34" charset="0"/>
-              <a:buChar char="•"/>
-            </a:pPr>
-            <a:r>
-              <a:rPr lang="en-US" sz="2400" dirty="0">
-                <a:solidFill>
-                  <a:srgbClr val="404040"/>
-                </a:solidFill>
-                <a:ea typeface="+mn-ea"/>
-                <a:hlinkClick r:id="rId4"/>
-              </a:rPr>
-              <a:t>Video of </a:t>
-            </a:r>
-            <a:r>
-              <a:rPr lang="en-US" sz="2400" dirty="0" err="1">
-                <a:solidFill>
-                  <a:srgbClr val="404040"/>
-                </a:solidFill>
-                <a:ea typeface="+mn-ea"/>
-                <a:hlinkClick r:id="rId4"/>
-              </a:rPr>
-              <a:t>Rmarkdown</a:t>
-            </a:r>
-            <a:endParaRPr lang="en-US" sz="2400" dirty="0">
-              <a:solidFill>
-                <a:srgbClr val="404040"/>
-              </a:solidFill>
-              <a:ea typeface="+mn-ea"/>
-            </a:endParaRPr>
-          </a:p>
-          <a:p>
-            <a:pPr lvl="1" indent="-228600" defTabSz="914400" eaLnBrk="1" hangingPunct="1">
-              <a:lnSpc>
-                <a:spcPct val="90000"/>
-              </a:lnSpc>
-              <a:buFont typeface="Arial" panose="020B0604020202020204" pitchFamily="34" charset="0"/>
-              <a:buChar char="•"/>
-            </a:pPr>
-            <a:r>
-              <a:rPr lang="en-US" sz="2400" dirty="0">
-                <a:solidFill>
-                  <a:srgbClr val="404040"/>
-                </a:solidFill>
-                <a:ea typeface="+mn-ea"/>
-              </a:rPr>
-              <a:t>First Assignment: </a:t>
-            </a:r>
-            <a:r>
-              <a:rPr lang="en-US" sz="2400" dirty="0">
-                <a:solidFill>
-                  <a:srgbClr val="404040"/>
-                </a:solidFill>
-                <a:ea typeface="+mn-ea"/>
-                <a:hlinkClick r:id="rId5"/>
-              </a:rPr>
-              <a:t>Lab 1</a:t>
-            </a:r>
-            <a:endParaRPr lang="en-US" sz="2400" dirty="0">
-              <a:solidFill>
-                <a:srgbClr val="404040"/>
-              </a:solidFill>
-              <a:ea typeface="+mn-ea"/>
-            </a:endParaRPr>
-          </a:p>
-          <a:p>
-            <a:pPr lvl="1" indent="-228600" defTabSz="914400" eaLnBrk="1" hangingPunct="1">
-              <a:lnSpc>
-                <a:spcPct val="90000"/>
-              </a:lnSpc>
-              <a:buFont typeface="Arial" panose="020B0604020202020204" pitchFamily="34" charset="0"/>
-              <a:buChar char="•"/>
-            </a:pPr>
-            <a:r>
-              <a:rPr lang="en-US" sz="2400" dirty="0">
-                <a:solidFill>
-                  <a:srgbClr val="404040"/>
-                </a:solidFill>
-                <a:ea typeface="+mn-ea"/>
-              </a:rPr>
-              <a:t>Steps:</a:t>
-            </a:r>
-          </a:p>
-          <a:p>
-            <a:pPr lvl="2" defTabSz="914400" eaLnBrk="1" hangingPunct="1">
-              <a:lnSpc>
-                <a:spcPct val="90000"/>
-              </a:lnSpc>
-              <a:buFont typeface="Arial" panose="020B0604020202020204" pitchFamily="34" charset="0"/>
-              <a:buChar char="•"/>
-            </a:pPr>
-            <a:r>
-              <a:rPr lang="en-US" dirty="0">
-                <a:solidFill>
-                  <a:srgbClr val="404040"/>
-                </a:solidFill>
-                <a:ea typeface="+mn-ea"/>
-                <a:cs typeface="+mn-cs"/>
-              </a:rPr>
-              <a:t>W</a:t>
-            </a:r>
-            <a:r>
-              <a:rPr lang="en-US" dirty="0">
-                <a:solidFill>
-                  <a:srgbClr val="404040"/>
-                </a:solidFill>
-                <a:ea typeface="+mn-ea"/>
-              </a:rPr>
-              <a:t>atch Video and Read About </a:t>
-            </a:r>
-            <a:r>
-              <a:rPr lang="en-US" dirty="0" err="1">
-                <a:solidFill>
-                  <a:srgbClr val="404040"/>
-                </a:solidFill>
-                <a:ea typeface="+mn-ea"/>
-              </a:rPr>
-              <a:t>Rmarkdown</a:t>
-            </a:r>
-            <a:endParaRPr lang="en-US" dirty="0">
-              <a:solidFill>
-                <a:srgbClr val="404040"/>
-              </a:solidFill>
-              <a:ea typeface="+mn-ea"/>
-            </a:endParaRPr>
-          </a:p>
-          <a:p>
-            <a:pPr lvl="2" defTabSz="914400" eaLnBrk="1" hangingPunct="1">
-              <a:lnSpc>
-                <a:spcPct val="90000"/>
-              </a:lnSpc>
-              <a:buFont typeface="Arial" panose="020B0604020202020204" pitchFamily="34" charset="0"/>
-              <a:buChar char="•"/>
-            </a:pPr>
-            <a:r>
-              <a:rPr lang="en-US" dirty="0">
-                <a:solidFill>
-                  <a:srgbClr val="404040"/>
-                </a:solidFill>
-                <a:ea typeface="+mn-ea"/>
-                <a:cs typeface="+mn-cs"/>
-              </a:rPr>
-              <a:t>Open </a:t>
-            </a:r>
-            <a:r>
-              <a:rPr lang="en-US" dirty="0">
-                <a:solidFill>
-                  <a:srgbClr val="404040"/>
-                </a:solidFill>
-                <a:ea typeface="+mn-ea"/>
-              </a:rPr>
-              <a:t>Lab 1 </a:t>
-            </a:r>
-            <a:r>
-              <a:rPr lang="en-US" dirty="0" err="1">
-                <a:solidFill>
-                  <a:srgbClr val="404040"/>
-                </a:solidFill>
-                <a:ea typeface="+mn-ea"/>
-              </a:rPr>
-              <a:t>Rmd</a:t>
-            </a:r>
-            <a:r>
-              <a:rPr lang="en-US" dirty="0">
-                <a:solidFill>
-                  <a:srgbClr val="404040"/>
-                </a:solidFill>
-                <a:ea typeface="+mn-ea"/>
-              </a:rPr>
-              <a:t> File in R</a:t>
-            </a:r>
-          </a:p>
-          <a:p>
-            <a:pPr lvl="2" defTabSz="914400" eaLnBrk="1" hangingPunct="1">
-              <a:lnSpc>
-                <a:spcPct val="90000"/>
-              </a:lnSpc>
-              <a:buFont typeface="Arial" panose="020B0604020202020204" pitchFamily="34" charset="0"/>
-              <a:buChar char="•"/>
-            </a:pPr>
-            <a:r>
-              <a:rPr lang="en-US" dirty="0">
-                <a:solidFill>
-                  <a:srgbClr val="404040"/>
-                </a:solidFill>
-                <a:ea typeface="+mn-ea"/>
-                <a:cs typeface="+mn-cs"/>
-              </a:rPr>
-              <a:t>Attempt to Knit the </a:t>
-            </a:r>
-            <a:r>
-              <a:rPr lang="en-US">
-                <a:solidFill>
-                  <a:srgbClr val="404040"/>
-                </a:solidFill>
-                <a:ea typeface="+mn-ea"/>
-              </a:rPr>
-              <a:t>File to an HTML File and View</a:t>
-            </a:r>
-            <a:endParaRPr lang="en-US" dirty="0">
-              <a:solidFill>
-                <a:srgbClr val="404040"/>
-              </a:solidFill>
-              <a:ea typeface="+mn-ea"/>
-            </a:endParaRPr>
-          </a:p>
-          <a:p>
-            <a:pPr lvl="2" defTabSz="914400" eaLnBrk="1" hangingPunct="1">
-              <a:lnSpc>
-                <a:spcPct val="90000"/>
-              </a:lnSpc>
-              <a:buFont typeface="Arial" panose="020B0604020202020204" pitchFamily="34" charset="0"/>
-              <a:buChar char="•"/>
-            </a:pPr>
-            <a:r>
-              <a:rPr lang="en-US" dirty="0">
-                <a:solidFill>
-                  <a:srgbClr val="404040"/>
-                </a:solidFill>
-                <a:ea typeface="+mn-ea"/>
-                <a:cs typeface="+mn-cs"/>
-              </a:rPr>
-              <a:t>Read Book and Finish </a:t>
-            </a:r>
-            <a:r>
-              <a:rPr lang="en-US" dirty="0">
-                <a:solidFill>
-                  <a:srgbClr val="404040"/>
-                </a:solidFill>
-                <a:ea typeface="+mn-ea"/>
-              </a:rPr>
-              <a:t>Lab 1</a:t>
-            </a:r>
-            <a:endParaRPr lang="en-US" dirty="0">
+            <a:endParaRPr lang="en-US" sz="7200" dirty="0">
               <a:solidFill>
                 <a:srgbClr val="404040"/>
               </a:solidFill>
@@ -14856,7 +14441,7 @@
               <a:buFont typeface="Arial" panose="020B0604020202020204" pitchFamily="34" charset="0"/>
               <a:buChar char="•"/>
             </a:pPr>
-            <a:endParaRPr lang="en-US" sz="2000" dirty="0">
+            <a:endParaRPr lang="en-US" sz="7200" dirty="0">
               <a:solidFill>
                 <a:srgbClr val="404040"/>
               </a:solidFill>
@@ -14872,7 +14457,7 @@
               <a:buFont typeface="Arial" panose="020B0604020202020204" pitchFamily="34" charset="0"/>
               <a:buChar char="•"/>
             </a:pPr>
-            <a:endParaRPr lang="en-US" sz="1600" dirty="0">
+            <a:endParaRPr lang="en-US" sz="7200" dirty="0">
               <a:solidFill>
                 <a:srgbClr val="404040"/>
               </a:solidFill>
@@ -14888,7 +14473,7 @@
               <a:buFont typeface="Arial" panose="020B0604020202020204" pitchFamily="34" charset="0"/>
               <a:buChar char="•"/>
             </a:pPr>
-            <a:endParaRPr lang="en-US" sz="2000" dirty="0">
+            <a:endParaRPr lang="en-US" sz="7200" dirty="0">
               <a:solidFill>
                 <a:srgbClr val="404040"/>
               </a:solidFill>
@@ -14896,38 +14481,6 @@
               <a:cs typeface="+mn-cs"/>
             </a:endParaRPr>
           </a:p>
-          <a:p>
-            <a:pPr indent="-228600" defTabSz="914400" eaLnBrk="1" hangingPunct="1">
-              <a:lnSpc>
-                <a:spcPct val="90000"/>
-              </a:lnSpc>
-              <a:buFont typeface="Arial" panose="020B0604020202020204" pitchFamily="34" charset="0"/>
-              <a:buChar char="•"/>
-            </a:pPr>
-            <a:endParaRPr lang="en-US" sz="1600" dirty="0">
-              <a:solidFill>
-                <a:srgbClr val="404040"/>
-              </a:solidFill>
-              <a:ea typeface="+mn-ea"/>
-              <a:cs typeface="+mn-cs"/>
-            </a:endParaRPr>
-          </a:p>
-          <a:p>
-            <a:pPr indent="-228600" defTabSz="914400" eaLnBrk="1" hangingPunct="1">
-              <a:lnSpc>
-                <a:spcPct val="90000"/>
-              </a:lnSpc>
-              <a:buFont typeface="Arial" panose="020B0604020202020204" pitchFamily="34" charset="0"/>
-              <a:buChar char="•"/>
-            </a:pPr>
-            <a:endParaRPr lang="en-US" sz="2000" dirty="0">
-              <a:solidFill>
-                <a:srgbClr val="404040"/>
-              </a:solidFill>
-              <a:ea typeface="+mn-ea"/>
-              <a:cs typeface="+mn-cs"/>
-            </a:endParaRPr>
-          </a:p>
         </p:txBody>
       </p:sp>
     </p:spTree>
@@ -14936,7 +14489,7 @@
     </p:custDataLst>
     <p:extLst>
       <p:ext uri="{BB962C8B-B14F-4D97-AF65-F5344CB8AC3E}">
-        <p14:creationId xmlns:p14="http://schemas.microsoft.com/office/powerpoint/2010/main" val="3644576"/>
+        <p14:creationId xmlns:p14="http://schemas.microsoft.com/office/powerpoint/2010/main" val="3647066437"/>
       </p:ext>
     </p:extLst>
   </p:cSld>
@@ -15039,12 +14592,6 @@
 </file>
 
 <file path=ppt/tags/tag10.xml><?xml version="1.0" encoding="utf-8"?>
-<p:tagLst xmlns:a="http://schemas.openxmlformats.org/drawingml/2006/main" xmlns:r="http://schemas.openxmlformats.org/officeDocument/2006/relationships" xmlns:p="http://schemas.openxmlformats.org/presentationml/2006/main">
-  <p:tag name="DELIMITERS" val="3.1"/>
-</p:tagLst>
-</file>
-
-<file path=ppt/tags/tag11.xml><?xml version="1.0" encoding="utf-8"?>
 <p:tagLst xmlns:a="http://schemas.openxmlformats.org/drawingml/2006/main" xmlns:r="http://schemas.openxmlformats.org/officeDocument/2006/relationships" xmlns:p="http://schemas.openxmlformats.org/presentationml/2006/main">
   <p:tag name="DELIMITERS" val="3.1"/>
 </p:tagLst>
